--- a/Slides/Day12_NLP_FNCFinal.pptx
+++ b/Slides/Day12_NLP_FNCFinal.pptx
@@ -4,19 +4,24 @@
   <p:sldMasterIdLst>
     <p:sldMasterId id="2147483660" r:id="rId1"/>
   </p:sldMasterIdLst>
+  <p:notesMasterIdLst>
+    <p:notesMasterId r:id="rId16"/>
+  </p:notesMasterIdLst>
   <p:sldIdLst>
     <p:sldId id="256" r:id="rId2"/>
     <p:sldId id="258" r:id="rId3"/>
     <p:sldId id="257" r:id="rId4"/>
-    <p:sldId id="259" r:id="rId5"/>
-    <p:sldId id="265" r:id="rId6"/>
-    <p:sldId id="269" r:id="rId7"/>
-    <p:sldId id="266" r:id="rId8"/>
-    <p:sldId id="263" r:id="rId9"/>
-    <p:sldId id="264" r:id="rId10"/>
-    <p:sldId id="268" r:id="rId11"/>
-    <p:sldId id="260" r:id="rId12"/>
-    <p:sldId id="262" r:id="rId13"/>
+    <p:sldId id="274" r:id="rId5"/>
+    <p:sldId id="266" r:id="rId6"/>
+    <p:sldId id="259" r:id="rId7"/>
+    <p:sldId id="270" r:id="rId8"/>
+    <p:sldId id="271" r:id="rId9"/>
+    <p:sldId id="272" r:id="rId10"/>
+    <p:sldId id="273" r:id="rId11"/>
+    <p:sldId id="263" r:id="rId12"/>
+    <p:sldId id="268" r:id="rId13"/>
+    <p:sldId id="260" r:id="rId14"/>
+    <p:sldId id="262" r:id="rId15"/>
   </p:sldIdLst>
   <p:sldSz cx="12192000" cy="6858000"/>
   <p:notesSz cx="6858000" cy="9144000"/>
@@ -123,6 +128,356 @@
 </p:presentation>
 </file>
 
+<file path=ppt/notesMasters/notesMaster1.xml><?xml version="1.0" encoding="utf-8"?>
+<p:notesMaster xmlns:a="http://schemas.openxmlformats.org/drawingml/2006/main" xmlns:r="http://schemas.openxmlformats.org/officeDocument/2006/relationships" xmlns:p="http://schemas.openxmlformats.org/presentationml/2006/main">
+  <p:cSld>
+    <p:bg>
+      <p:bgRef idx="1001">
+        <a:schemeClr val="bg1"/>
+      </p:bgRef>
+    </p:bg>
+    <p:spTree>
+      <p:nvGrpSpPr>
+        <p:cNvPr id="1" name=""/>
+        <p:cNvGrpSpPr/>
+        <p:nvPr/>
+      </p:nvGrpSpPr>
+      <p:grpSpPr>
+        <a:xfrm>
+          <a:off x="0" y="0"/>
+          <a:ext cx="0" cy="0"/>
+          <a:chOff x="0" y="0"/>
+          <a:chExt cx="0" cy="0"/>
+        </a:xfrm>
+      </p:grpSpPr>
+      <p:sp>
+        <p:nvSpPr>
+          <p:cNvPr id="2" name="Header Placeholder 1"/>
+          <p:cNvSpPr>
+            <a:spLocks noGrp="1"/>
+          </p:cNvSpPr>
+          <p:nvPr>
+            <p:ph type="hdr" sz="quarter"/>
+          </p:nvPr>
+        </p:nvSpPr>
+        <p:spPr>
+          <a:xfrm>
+            <a:off x="0" y="0"/>
+            <a:ext cx="2971800" cy="458788"/>
+          </a:xfrm>
+          <a:prstGeom prst="rect">
+            <a:avLst/>
+          </a:prstGeom>
+        </p:spPr>
+        <p:txBody>
+          <a:bodyPr vert="horz" lIns="91440" tIns="45720" rIns="91440" bIns="45720" rtlCol="0"/>
+          <a:lstStyle>
+            <a:lvl1pPr algn="l">
+              <a:defRPr sz="1200"/>
+            </a:lvl1pPr>
+          </a:lstStyle>
+          <a:p>
+            <a:endParaRPr lang="en-US"/>
+          </a:p>
+        </p:txBody>
+      </p:sp>
+      <p:sp>
+        <p:nvSpPr>
+          <p:cNvPr id="3" name="Date Placeholder 2"/>
+          <p:cNvSpPr>
+            <a:spLocks noGrp="1"/>
+          </p:cNvSpPr>
+          <p:nvPr>
+            <p:ph type="dt" idx="1"/>
+          </p:nvPr>
+        </p:nvSpPr>
+        <p:spPr>
+          <a:xfrm>
+            <a:off x="3884613" y="0"/>
+            <a:ext cx="2971800" cy="458788"/>
+          </a:xfrm>
+          <a:prstGeom prst="rect">
+            <a:avLst/>
+          </a:prstGeom>
+        </p:spPr>
+        <p:txBody>
+          <a:bodyPr vert="horz" lIns="91440" tIns="45720" rIns="91440" bIns="45720" rtlCol="0"/>
+          <a:lstStyle>
+            <a:lvl1pPr algn="r">
+              <a:defRPr sz="1200"/>
+            </a:lvl1pPr>
+          </a:lstStyle>
+          <a:p>
+            <a:fld id="{2D84F74F-4B2F-9145-9B12-A0BD1FBB23F1}" type="datetimeFigureOut">
+              <a:rPr lang="en-US" smtClean="0"/>
+              <a:t>8/9/18</a:t>
+            </a:fld>
+            <a:endParaRPr lang="en-US"/>
+          </a:p>
+        </p:txBody>
+      </p:sp>
+      <p:sp>
+        <p:nvSpPr>
+          <p:cNvPr id="4" name="Slide Image Placeholder 3"/>
+          <p:cNvSpPr>
+            <a:spLocks noGrp="1" noRot="1" noChangeAspect="1"/>
+          </p:cNvSpPr>
+          <p:nvPr>
+            <p:ph type="sldImg" idx="2"/>
+          </p:nvPr>
+        </p:nvSpPr>
+        <p:spPr>
+          <a:xfrm>
+            <a:off x="685800" y="1143000"/>
+            <a:ext cx="5486400" cy="3086100"/>
+          </a:xfrm>
+          <a:prstGeom prst="rect">
+            <a:avLst/>
+          </a:prstGeom>
+          <a:noFill/>
+          <a:ln w="12700">
+            <a:solidFill>
+              <a:prstClr val="black"/>
+            </a:solidFill>
+          </a:ln>
+        </p:spPr>
+        <p:txBody>
+          <a:bodyPr vert="horz" lIns="91440" tIns="45720" rIns="91440" bIns="45720" rtlCol="0" anchor="ctr"/>
+          <a:lstStyle/>
+          <a:p>
+            <a:endParaRPr lang="en-US"/>
+          </a:p>
+        </p:txBody>
+      </p:sp>
+      <p:sp>
+        <p:nvSpPr>
+          <p:cNvPr id="5" name="Notes Placeholder 4"/>
+          <p:cNvSpPr>
+            <a:spLocks noGrp="1"/>
+          </p:cNvSpPr>
+          <p:nvPr>
+            <p:ph type="body" sz="quarter" idx="3"/>
+          </p:nvPr>
+        </p:nvSpPr>
+        <p:spPr>
+          <a:xfrm>
+            <a:off x="685800" y="4400550"/>
+            <a:ext cx="5486400" cy="3600450"/>
+          </a:xfrm>
+          <a:prstGeom prst="rect">
+            <a:avLst/>
+          </a:prstGeom>
+        </p:spPr>
+        <p:txBody>
+          <a:bodyPr vert="horz" lIns="91440" tIns="45720" rIns="91440" bIns="45720" rtlCol="0"/>
+          <a:lstStyle/>
+          <a:p>
+            <a:pPr lvl="0"/>
+            <a:r>
+              <a:rPr lang="en-US" smtClean="0"/>
+              <a:t>Click to edit Master text styles</a:t>
+            </a:r>
+          </a:p>
+          <a:p>
+            <a:pPr lvl="1"/>
+            <a:r>
+              <a:rPr lang="en-US" smtClean="0"/>
+              <a:t>Second level</a:t>
+            </a:r>
+          </a:p>
+          <a:p>
+            <a:pPr lvl="2"/>
+            <a:r>
+              <a:rPr lang="en-US" smtClean="0"/>
+              <a:t>Third level</a:t>
+            </a:r>
+          </a:p>
+          <a:p>
+            <a:pPr lvl="3"/>
+            <a:r>
+              <a:rPr lang="en-US" smtClean="0"/>
+              <a:t>Fourth level</a:t>
+            </a:r>
+          </a:p>
+          <a:p>
+            <a:pPr lvl="4"/>
+            <a:r>
+              <a:rPr lang="en-US" smtClean="0"/>
+              <a:t>Fifth level</a:t>
+            </a:r>
+            <a:endParaRPr lang="en-US"/>
+          </a:p>
+        </p:txBody>
+      </p:sp>
+      <p:sp>
+        <p:nvSpPr>
+          <p:cNvPr id="6" name="Footer Placeholder 5"/>
+          <p:cNvSpPr>
+            <a:spLocks noGrp="1"/>
+          </p:cNvSpPr>
+          <p:nvPr>
+            <p:ph type="ftr" sz="quarter" idx="4"/>
+          </p:nvPr>
+        </p:nvSpPr>
+        <p:spPr>
+          <a:xfrm>
+            <a:off x="0" y="8685213"/>
+            <a:ext cx="2971800" cy="458787"/>
+          </a:xfrm>
+          <a:prstGeom prst="rect">
+            <a:avLst/>
+          </a:prstGeom>
+        </p:spPr>
+        <p:txBody>
+          <a:bodyPr vert="horz" lIns="91440" tIns="45720" rIns="91440" bIns="45720" rtlCol="0" anchor="b"/>
+          <a:lstStyle>
+            <a:lvl1pPr algn="l">
+              <a:defRPr sz="1200"/>
+            </a:lvl1pPr>
+          </a:lstStyle>
+          <a:p>
+            <a:endParaRPr lang="en-US"/>
+          </a:p>
+        </p:txBody>
+      </p:sp>
+      <p:sp>
+        <p:nvSpPr>
+          <p:cNvPr id="7" name="Slide Number Placeholder 6"/>
+          <p:cNvSpPr>
+            <a:spLocks noGrp="1"/>
+          </p:cNvSpPr>
+          <p:nvPr>
+            <p:ph type="sldNum" sz="quarter" idx="5"/>
+          </p:nvPr>
+        </p:nvSpPr>
+        <p:spPr>
+          <a:xfrm>
+            <a:off x="3884613" y="8685213"/>
+            <a:ext cx="2971800" cy="458787"/>
+          </a:xfrm>
+          <a:prstGeom prst="rect">
+            <a:avLst/>
+          </a:prstGeom>
+        </p:spPr>
+        <p:txBody>
+          <a:bodyPr vert="horz" lIns="91440" tIns="45720" rIns="91440" bIns="45720" rtlCol="0" anchor="b"/>
+          <a:lstStyle>
+            <a:lvl1pPr algn="r">
+              <a:defRPr sz="1200"/>
+            </a:lvl1pPr>
+          </a:lstStyle>
+          <a:p>
+            <a:fld id="{5D9C5B8F-2D24-CA40-9E4E-CF0D6606EECF}" type="slidenum">
+              <a:rPr lang="en-US" smtClean="0"/>
+              <a:t>‹#›</a:t>
+            </a:fld>
+            <a:endParaRPr lang="en-US"/>
+          </a:p>
+        </p:txBody>
+      </p:sp>
+    </p:spTree>
+    <p:extLst>
+      <p:ext uri="{BB962C8B-B14F-4D97-AF65-F5344CB8AC3E}">
+        <p14:creationId xmlns:p14="http://schemas.microsoft.com/office/powerpoint/2010/main" val="1359816354"/>
+      </p:ext>
+    </p:extLst>
+  </p:cSld>
+  <p:clrMap bg1="lt1" tx1="dk1" bg2="lt2" tx2="dk2" accent1="accent1" accent2="accent2" accent3="accent3" accent4="accent4" accent5="accent5" accent6="accent6" hlink="hlink" folHlink="folHlink"/>
+  <p:notesStyle>
+    <a:lvl1pPr marL="0" algn="l" defTabSz="914400" rtl="0" eaLnBrk="1" latinLnBrk="0" hangingPunct="1">
+      <a:defRPr sz="1200" kern="1200">
+        <a:solidFill>
+          <a:schemeClr val="tx1"/>
+        </a:solidFill>
+        <a:latin typeface="+mn-lt"/>
+        <a:ea typeface="+mn-ea"/>
+        <a:cs typeface="+mn-cs"/>
+      </a:defRPr>
+    </a:lvl1pPr>
+    <a:lvl2pPr marL="457200" algn="l" defTabSz="914400" rtl="0" eaLnBrk="1" latinLnBrk="0" hangingPunct="1">
+      <a:defRPr sz="1200" kern="1200">
+        <a:solidFill>
+          <a:schemeClr val="tx1"/>
+        </a:solidFill>
+        <a:latin typeface="+mn-lt"/>
+        <a:ea typeface="+mn-ea"/>
+        <a:cs typeface="+mn-cs"/>
+      </a:defRPr>
+    </a:lvl2pPr>
+    <a:lvl3pPr marL="914400" algn="l" defTabSz="914400" rtl="0" eaLnBrk="1" latinLnBrk="0" hangingPunct="1">
+      <a:defRPr sz="1200" kern="1200">
+        <a:solidFill>
+          <a:schemeClr val="tx1"/>
+        </a:solidFill>
+        <a:latin typeface="+mn-lt"/>
+        <a:ea typeface="+mn-ea"/>
+        <a:cs typeface="+mn-cs"/>
+      </a:defRPr>
+    </a:lvl3pPr>
+    <a:lvl4pPr marL="1371600" algn="l" defTabSz="914400" rtl="0" eaLnBrk="1" latinLnBrk="0" hangingPunct="1">
+      <a:defRPr sz="1200" kern="1200">
+        <a:solidFill>
+          <a:schemeClr val="tx1"/>
+        </a:solidFill>
+        <a:latin typeface="+mn-lt"/>
+        <a:ea typeface="+mn-ea"/>
+        <a:cs typeface="+mn-cs"/>
+      </a:defRPr>
+    </a:lvl4pPr>
+    <a:lvl5pPr marL="1828800" algn="l" defTabSz="914400" rtl="0" eaLnBrk="1" latinLnBrk="0" hangingPunct="1">
+      <a:defRPr sz="1200" kern="1200">
+        <a:solidFill>
+          <a:schemeClr val="tx1"/>
+        </a:solidFill>
+        <a:latin typeface="+mn-lt"/>
+        <a:ea typeface="+mn-ea"/>
+        <a:cs typeface="+mn-cs"/>
+      </a:defRPr>
+    </a:lvl5pPr>
+    <a:lvl6pPr marL="2286000" algn="l" defTabSz="914400" rtl="0" eaLnBrk="1" latinLnBrk="0" hangingPunct="1">
+      <a:defRPr sz="1200" kern="1200">
+        <a:solidFill>
+          <a:schemeClr val="tx1"/>
+        </a:solidFill>
+        <a:latin typeface="+mn-lt"/>
+        <a:ea typeface="+mn-ea"/>
+        <a:cs typeface="+mn-cs"/>
+      </a:defRPr>
+    </a:lvl6pPr>
+    <a:lvl7pPr marL="2743200" algn="l" defTabSz="914400" rtl="0" eaLnBrk="1" latinLnBrk="0" hangingPunct="1">
+      <a:defRPr sz="1200" kern="1200">
+        <a:solidFill>
+          <a:schemeClr val="tx1"/>
+        </a:solidFill>
+        <a:latin typeface="+mn-lt"/>
+        <a:ea typeface="+mn-ea"/>
+        <a:cs typeface="+mn-cs"/>
+      </a:defRPr>
+    </a:lvl7pPr>
+    <a:lvl8pPr marL="3200400" algn="l" defTabSz="914400" rtl="0" eaLnBrk="1" latinLnBrk="0" hangingPunct="1">
+      <a:defRPr sz="1200" kern="1200">
+        <a:solidFill>
+          <a:schemeClr val="tx1"/>
+        </a:solidFill>
+        <a:latin typeface="+mn-lt"/>
+        <a:ea typeface="+mn-ea"/>
+        <a:cs typeface="+mn-cs"/>
+      </a:defRPr>
+    </a:lvl8pPr>
+    <a:lvl9pPr marL="3657600" algn="l" defTabSz="914400" rtl="0" eaLnBrk="1" latinLnBrk="0" hangingPunct="1">
+      <a:defRPr sz="1200" kern="1200">
+        <a:solidFill>
+          <a:schemeClr val="tx1"/>
+        </a:solidFill>
+        <a:latin typeface="+mn-lt"/>
+        <a:ea typeface="+mn-ea"/>
+        <a:cs typeface="+mn-cs"/>
+      </a:defRPr>
+    </a:lvl9pPr>
+  </p:notesStyle>
+</p:notesMaster>
+</file>
+
 <file path=ppt/slideLayouts/slideLayout1.xml><?xml version="1.0" encoding="utf-8"?>
 <p:sldLayout xmlns:a="http://schemas.openxmlformats.org/drawingml/2006/main" xmlns:r="http://schemas.openxmlformats.org/officeDocument/2006/relationships" xmlns:p="http://schemas.openxmlformats.org/presentationml/2006/main" type="title" preserve="1">
   <p:cSld name="Title Slide">
@@ -323,7 +678,7 @@
           <a:p>
             <a:fld id="{737422C6-1012-4FED-B0A4-BCF0D32B4771}" type="datetimeFigureOut">
               <a:rPr lang="en-US" smtClean="0"/>
-              <a:t>8/7/2018</a:t>
+              <a:t>8/8/18</a:t>
             </a:fld>
             <a:endParaRPr lang="en-US"/>
           </a:p>
@@ -513,7 +868,7 @@
           <a:p>
             <a:fld id="{737422C6-1012-4FED-B0A4-BCF0D32B4771}" type="datetimeFigureOut">
               <a:rPr lang="en-US" smtClean="0"/>
-              <a:t>8/7/2018</a:t>
+              <a:t>8/8/18</a:t>
             </a:fld>
             <a:endParaRPr lang="en-US"/>
           </a:p>
@@ -693,7 +1048,7 @@
           <a:p>
             <a:fld id="{737422C6-1012-4FED-B0A4-BCF0D32B4771}" type="datetimeFigureOut">
               <a:rPr lang="en-US" smtClean="0"/>
-              <a:t>8/7/2018</a:t>
+              <a:t>8/8/18</a:t>
             </a:fld>
             <a:endParaRPr lang="en-US"/>
           </a:p>
@@ -863,7 +1218,7 @@
           <a:p>
             <a:fld id="{737422C6-1012-4FED-B0A4-BCF0D32B4771}" type="datetimeFigureOut">
               <a:rPr lang="en-US" smtClean="0"/>
-              <a:t>8/7/2018</a:t>
+              <a:t>8/8/18</a:t>
             </a:fld>
             <a:endParaRPr lang="en-US"/>
           </a:p>
@@ -1119,7 +1474,7 @@
           <a:p>
             <a:fld id="{737422C6-1012-4FED-B0A4-BCF0D32B4771}" type="datetimeFigureOut">
               <a:rPr lang="en-US" smtClean="0"/>
-              <a:t>8/7/2018</a:t>
+              <a:t>8/8/18</a:t>
             </a:fld>
             <a:endParaRPr lang="en-US"/>
           </a:p>
@@ -1407,7 +1762,7 @@
           <a:p>
             <a:fld id="{737422C6-1012-4FED-B0A4-BCF0D32B4771}" type="datetimeFigureOut">
               <a:rPr lang="en-US" smtClean="0"/>
-              <a:t>8/7/2018</a:t>
+              <a:t>8/8/18</a:t>
             </a:fld>
             <a:endParaRPr lang="en-US"/>
           </a:p>
@@ -1845,7 +2200,7 @@
           <a:p>
             <a:fld id="{737422C6-1012-4FED-B0A4-BCF0D32B4771}" type="datetimeFigureOut">
               <a:rPr lang="en-US" smtClean="0"/>
-              <a:t>8/7/2018</a:t>
+              <a:t>8/8/18</a:t>
             </a:fld>
             <a:endParaRPr lang="en-US"/>
           </a:p>
@@ -1963,7 +2318,7 @@
           <a:p>
             <a:fld id="{737422C6-1012-4FED-B0A4-BCF0D32B4771}" type="datetimeFigureOut">
               <a:rPr lang="en-US" smtClean="0"/>
-              <a:t>8/7/2018</a:t>
+              <a:t>8/8/18</a:t>
             </a:fld>
             <a:endParaRPr lang="en-US"/>
           </a:p>
@@ -2058,7 +2413,7 @@
           <a:p>
             <a:fld id="{737422C6-1012-4FED-B0A4-BCF0D32B4771}" type="datetimeFigureOut">
               <a:rPr lang="en-US" smtClean="0"/>
-              <a:t>8/7/2018</a:t>
+              <a:t>8/8/18</a:t>
             </a:fld>
             <a:endParaRPr lang="en-US"/>
           </a:p>
@@ -2414,7 +2769,7 @@
           <a:p>
             <a:fld id="{737422C6-1012-4FED-B0A4-BCF0D32B4771}" type="datetimeFigureOut">
               <a:rPr lang="en-US" smtClean="0"/>
-              <a:t>8/7/2018</a:t>
+              <a:t>8/8/18</a:t>
             </a:fld>
             <a:endParaRPr lang="en-US"/>
           </a:p>
@@ -2730,7 +3085,7 @@
           <a:p>
             <a:fld id="{737422C6-1012-4FED-B0A4-BCF0D32B4771}" type="datetimeFigureOut">
               <a:rPr lang="en-US" smtClean="0"/>
-              <a:t>8/7/2018</a:t>
+              <a:t>8/8/18</a:t>
             </a:fld>
             <a:endParaRPr lang="en-US"/>
           </a:p>
@@ -2963,7 +3318,7 @@
           <a:p>
             <a:fld id="{737422C6-1012-4FED-B0A4-BCF0D32B4771}" type="datetimeFigureOut">
               <a:rPr lang="en-US" smtClean="0"/>
-              <a:t>8/7/2018</a:t>
+              <a:t>8/8/18</a:t>
             </a:fld>
             <a:endParaRPr lang="en-US"/>
           </a:p>
@@ -3404,7 +3759,7 @@
           <p:cNvPr id="2" name="Title 1">
             <a:extLst>
               <a:ext uri="{FF2B5EF4-FFF2-40B4-BE49-F238E27FC236}">
-                <a16:creationId xmlns:a16="http://schemas.microsoft.com/office/drawing/2014/main" id="{4CD410BA-95A0-4DCE-B23F-1A8A4E178830}"/>
+                <a16:creationId xmlns:a16="http://schemas.microsoft.com/office/drawing/2014/main" xmlns="" id="{4CD410BA-95A0-4DCE-B23F-1A8A4E178830}"/>
               </a:ext>
             </a:extLst>
           </p:cNvPr>
@@ -3432,7 +3787,7 @@
           <p:cNvPr id="3" name="Subtitle 2">
             <a:extLst>
               <a:ext uri="{FF2B5EF4-FFF2-40B4-BE49-F238E27FC236}">
-                <a16:creationId xmlns:a16="http://schemas.microsoft.com/office/drawing/2014/main" id="{5C79D289-B636-4A37-B0ED-A3E560686DBB}"/>
+                <a16:creationId xmlns:a16="http://schemas.microsoft.com/office/drawing/2014/main" xmlns="" id="{5C79D289-B636-4A37-B0ED-A3E560686DBB}"/>
               </a:ext>
             </a:extLst>
           </p:cNvPr>
@@ -3487,10 +3842,636 @@
       </p:grpSpPr>
       <p:sp>
         <p:nvSpPr>
+          <p:cNvPr id="4" name="Title 3">
+            <a:extLst>
+              <a:ext uri="{FF2B5EF4-FFF2-40B4-BE49-F238E27FC236}">
+                <a16:creationId xmlns:a16="http://schemas.microsoft.com/office/drawing/2014/main" xmlns="" id="{C9FC5678-4112-4341-B20F-F8D278761D5D}"/>
+              </a:ext>
+            </a:extLst>
+          </p:cNvPr>
+          <p:cNvSpPr>
+            <a:spLocks noGrp="1"/>
+          </p:cNvSpPr>
+          <p:nvPr>
+            <p:ph type="title"/>
+          </p:nvPr>
+        </p:nvSpPr>
+        <p:spPr/>
+        <p:txBody>
+          <a:bodyPr/>
+          <a:lstStyle/>
+          <a:p>
+            <a:r>
+              <a:rPr lang="en-US" dirty="0" smtClean="0"/>
+              <a:t>Creating the training sets</a:t>
+            </a:r>
+            <a:endParaRPr lang="en-US" dirty="0"/>
+          </a:p>
+        </p:txBody>
+      </p:sp>
+      <p:sp>
+        <p:nvSpPr>
+          <p:cNvPr id="5" name="Content Placeholder 4">
+            <a:extLst>
+              <a:ext uri="{FF2B5EF4-FFF2-40B4-BE49-F238E27FC236}">
+                <a16:creationId xmlns:a16="http://schemas.microsoft.com/office/drawing/2014/main" xmlns="" id="{C7031E5C-8EC5-4883-9788-673A55B9AC54}"/>
+              </a:ext>
+            </a:extLst>
+          </p:cNvPr>
+          <p:cNvSpPr>
+            <a:spLocks noGrp="1"/>
+          </p:cNvSpPr>
+          <p:nvPr>
+            <p:ph idx="1"/>
+          </p:nvPr>
+        </p:nvSpPr>
+        <p:spPr/>
+        <p:txBody>
+          <a:bodyPr/>
+          <a:lstStyle/>
+          <a:p>
+            <a:r>
+              <a:rPr lang="en-US" dirty="0" smtClean="0"/>
+              <a:t>Disa</a:t>
+            </a:r>
+            <a:r>
+              <a:rPr lang="en-US" dirty="0" smtClean="0"/>
+              <a:t>gree vs not-disagree</a:t>
+            </a:r>
+          </a:p>
+          <a:p>
+            <a:endParaRPr lang="en-US" dirty="0"/>
+          </a:p>
+        </p:txBody>
+      </p:sp>
+      <p:graphicFrame>
+        <p:nvGraphicFramePr>
+          <p:cNvPr id="2" name="Table 1"/>
+          <p:cNvGraphicFramePr>
+            <a:graphicFrameLocks noGrp="1"/>
+          </p:cNvGraphicFramePr>
+          <p:nvPr>
+            <p:extLst>
+              <p:ext uri="{D42A27DB-BD31-4B8C-83A1-F6EECF244321}">
+                <p14:modId xmlns:p14="http://schemas.microsoft.com/office/powerpoint/2010/main" val="99536103"/>
+              </p:ext>
+            </p:extLst>
+          </p:nvPr>
+        </p:nvGraphicFramePr>
+        <p:xfrm>
+          <a:off x="1819965" y="3226118"/>
+          <a:ext cx="8127999" cy="1854200"/>
+        </p:xfrm>
+        <a:graphic>
+          <a:graphicData uri="http://schemas.openxmlformats.org/drawingml/2006/table">
+            <a:tbl>
+              <a:tblPr firstRow="1" bandRow="1">
+                <a:tableStyleId>{5C22544A-7EE6-4342-B048-85BDC9FD1C3A}</a:tableStyleId>
+              </a:tblPr>
+              <a:tblGrid>
+                <a:gridCol w="2709333"/>
+                <a:gridCol w="2709333"/>
+                <a:gridCol w="2709333"/>
+              </a:tblGrid>
+              <a:tr h="370840">
+                <a:tc>
+                  <a:txBody>
+                    <a:bodyPr/>
+                    <a:lstStyle/>
+                    <a:p>
+                      <a:r>
+                        <a:rPr lang="en-US" dirty="0" smtClean="0"/>
+                        <a:t>Headline</a:t>
+                      </a:r>
+                      <a:endParaRPr lang="en-US" dirty="0"/>
+                    </a:p>
+                  </a:txBody>
+                  <a:tcPr/>
+                </a:tc>
+                <a:tc>
+                  <a:txBody>
+                    <a:bodyPr/>
+                    <a:lstStyle/>
+                    <a:p>
+                      <a:r>
+                        <a:rPr lang="en-US" dirty="0" err="1" smtClean="0"/>
+                        <a:t>Body_ID</a:t>
+                      </a:r>
+                      <a:endParaRPr lang="en-US" dirty="0"/>
+                    </a:p>
+                  </a:txBody>
+                  <a:tcPr/>
+                </a:tc>
+                <a:tc>
+                  <a:txBody>
+                    <a:bodyPr/>
+                    <a:lstStyle/>
+                    <a:p>
+                      <a:r>
+                        <a:rPr lang="en-US" dirty="0" smtClean="0"/>
+                        <a:t>Stance</a:t>
+                      </a:r>
+                      <a:endParaRPr lang="en-US" dirty="0"/>
+                    </a:p>
+                  </a:txBody>
+                  <a:tcPr/>
+                </a:tc>
+              </a:tr>
+              <a:tr h="370840">
+                <a:tc>
+                  <a:txBody>
+                    <a:bodyPr/>
+                    <a:lstStyle/>
+                    <a:p>
+                      <a:r>
+                        <a:rPr lang="en-US" dirty="0" smtClean="0">
+                          <a:solidFill>
+                            <a:schemeClr val="bg1">
+                              <a:lumMod val="85000"/>
+                            </a:schemeClr>
+                          </a:solidFill>
+                        </a:rPr>
+                        <a:t>“Blah blah”</a:t>
+                      </a:r>
+                      <a:endParaRPr lang="en-US" dirty="0">
+                        <a:solidFill>
+                          <a:schemeClr val="bg1">
+                            <a:lumMod val="85000"/>
+                          </a:schemeClr>
+                        </a:solidFill>
+                      </a:endParaRPr>
+                    </a:p>
+                  </a:txBody>
+                  <a:tcPr/>
+                </a:tc>
+                <a:tc>
+                  <a:txBody>
+                    <a:bodyPr/>
+                    <a:lstStyle/>
+                    <a:p>
+                      <a:r>
+                        <a:rPr lang="en-US" dirty="0" smtClean="0">
+                          <a:solidFill>
+                            <a:schemeClr val="bg1">
+                              <a:lumMod val="85000"/>
+                            </a:schemeClr>
+                          </a:solidFill>
+                        </a:rPr>
+                        <a:t>0</a:t>
+                      </a:r>
+                      <a:endParaRPr lang="en-US" dirty="0">
+                        <a:solidFill>
+                          <a:schemeClr val="bg1">
+                            <a:lumMod val="85000"/>
+                          </a:schemeClr>
+                        </a:solidFill>
+                      </a:endParaRPr>
+                    </a:p>
+                  </a:txBody>
+                  <a:tcPr/>
+                </a:tc>
+                <a:tc>
+                  <a:txBody>
+                    <a:bodyPr/>
+                    <a:lstStyle/>
+                    <a:p>
+                      <a:r>
+                        <a:rPr lang="en-US" dirty="0" smtClean="0">
+                          <a:solidFill>
+                            <a:schemeClr val="bg1">
+                              <a:lumMod val="85000"/>
+                            </a:schemeClr>
+                          </a:solidFill>
+                        </a:rPr>
+                        <a:t>unrelated</a:t>
+                      </a:r>
+                      <a:endParaRPr lang="en-US" dirty="0">
+                        <a:solidFill>
+                          <a:schemeClr val="bg1">
+                            <a:lumMod val="85000"/>
+                          </a:schemeClr>
+                        </a:solidFill>
+                      </a:endParaRPr>
+                    </a:p>
+                  </a:txBody>
+                  <a:tcPr/>
+                </a:tc>
+              </a:tr>
+              <a:tr h="370840">
+                <a:tc>
+                  <a:txBody>
+                    <a:bodyPr/>
+                    <a:lstStyle/>
+                    <a:p>
+                      <a:r>
+                        <a:rPr lang="en-US" dirty="0" smtClean="0"/>
+                        <a:t>“Blah blah”</a:t>
+                      </a:r>
+                      <a:endParaRPr lang="en-US" dirty="0"/>
+                    </a:p>
+                  </a:txBody>
+                  <a:tcPr>
+                    <a:solidFill>
+                      <a:srgbClr val="FF0000"/>
+                    </a:solidFill>
+                  </a:tcPr>
+                </a:tc>
+                <a:tc>
+                  <a:txBody>
+                    <a:bodyPr/>
+                    <a:lstStyle/>
+                    <a:p>
+                      <a:r>
+                        <a:rPr lang="en-US" dirty="0" smtClean="0"/>
+                        <a:t>1</a:t>
+                      </a:r>
+                      <a:endParaRPr lang="en-US" dirty="0"/>
+                    </a:p>
+                  </a:txBody>
+                  <a:tcPr>
+                    <a:solidFill>
+                      <a:srgbClr val="FF0000"/>
+                    </a:solidFill>
+                  </a:tcPr>
+                </a:tc>
+                <a:tc>
+                  <a:txBody>
+                    <a:bodyPr/>
+                    <a:lstStyle/>
+                    <a:p>
+                      <a:r>
+                        <a:rPr lang="en-US" dirty="0" smtClean="0"/>
+                        <a:t>discuss</a:t>
+                      </a:r>
+                      <a:endParaRPr lang="en-US" dirty="0"/>
+                    </a:p>
+                  </a:txBody>
+                  <a:tcPr>
+                    <a:solidFill>
+                      <a:srgbClr val="FF0000"/>
+                    </a:solidFill>
+                  </a:tcPr>
+                </a:tc>
+              </a:tr>
+              <a:tr h="370840">
+                <a:tc>
+                  <a:txBody>
+                    <a:bodyPr/>
+                    <a:lstStyle/>
+                    <a:p>
+                      <a:pPr marL="0" marR="0" indent="0" algn="l" defTabSz="914400" rtl="0" eaLnBrk="1" fontAlgn="auto" latinLnBrk="0" hangingPunct="1">
+                        <a:lnSpc>
+                          <a:spcPct val="100000"/>
+                        </a:lnSpc>
+                        <a:spcBef>
+                          <a:spcPts val="0"/>
+                        </a:spcBef>
+                        <a:spcAft>
+                          <a:spcPts val="0"/>
+                        </a:spcAft>
+                        <a:buClrTx/>
+                        <a:buSzTx/>
+                        <a:buFontTx/>
+                        <a:buNone/>
+                        <a:tabLst/>
+                        <a:defRPr/>
+                      </a:pPr>
+                      <a:r>
+                        <a:rPr lang="en-US" dirty="0" smtClean="0">
+                          <a:solidFill>
+                            <a:schemeClr val="tx1"/>
+                          </a:solidFill>
+                        </a:rPr>
+                        <a:t>“Blah blah”</a:t>
+                      </a:r>
+                    </a:p>
+                  </a:txBody>
+                  <a:tcPr>
+                    <a:solidFill>
+                      <a:srgbClr val="FF0000"/>
+                    </a:solidFill>
+                  </a:tcPr>
+                </a:tc>
+                <a:tc>
+                  <a:txBody>
+                    <a:bodyPr/>
+                    <a:lstStyle/>
+                    <a:p>
+                      <a:r>
+                        <a:rPr lang="en-US" dirty="0" smtClean="0">
+                          <a:solidFill>
+                            <a:schemeClr val="tx1"/>
+                          </a:solidFill>
+                        </a:rPr>
+                        <a:t>2</a:t>
+                      </a:r>
+                      <a:endParaRPr lang="en-US" dirty="0">
+                        <a:solidFill>
+                          <a:schemeClr val="tx1"/>
+                        </a:solidFill>
+                      </a:endParaRPr>
+                    </a:p>
+                  </a:txBody>
+                  <a:tcPr>
+                    <a:solidFill>
+                      <a:srgbClr val="FF0000"/>
+                    </a:solidFill>
+                  </a:tcPr>
+                </a:tc>
+                <a:tc>
+                  <a:txBody>
+                    <a:bodyPr/>
+                    <a:lstStyle/>
+                    <a:p>
+                      <a:r>
+                        <a:rPr lang="en-US" dirty="0" smtClean="0">
+                          <a:solidFill>
+                            <a:schemeClr val="tx1"/>
+                          </a:solidFill>
+                        </a:rPr>
+                        <a:t>agree</a:t>
+                      </a:r>
+                      <a:endParaRPr lang="en-US" dirty="0">
+                        <a:solidFill>
+                          <a:schemeClr val="tx1"/>
+                        </a:solidFill>
+                      </a:endParaRPr>
+                    </a:p>
+                  </a:txBody>
+                  <a:tcPr>
+                    <a:solidFill>
+                      <a:srgbClr val="FF0000"/>
+                    </a:solidFill>
+                  </a:tcPr>
+                </a:tc>
+              </a:tr>
+              <a:tr h="370840">
+                <a:tc>
+                  <a:txBody>
+                    <a:bodyPr/>
+                    <a:lstStyle/>
+                    <a:p>
+                      <a:pPr marL="0" marR="0" indent="0" algn="l" defTabSz="914400" rtl="0" eaLnBrk="1" fontAlgn="auto" latinLnBrk="0" hangingPunct="1">
+                        <a:lnSpc>
+                          <a:spcPct val="100000"/>
+                        </a:lnSpc>
+                        <a:spcBef>
+                          <a:spcPts val="0"/>
+                        </a:spcBef>
+                        <a:spcAft>
+                          <a:spcPts val="0"/>
+                        </a:spcAft>
+                        <a:buClrTx/>
+                        <a:buSzTx/>
+                        <a:buFontTx/>
+                        <a:buNone/>
+                        <a:tabLst/>
+                        <a:defRPr/>
+                      </a:pPr>
+                      <a:r>
+                        <a:rPr lang="en-US" dirty="0" smtClean="0"/>
+                        <a:t>“Blah blah”</a:t>
+                      </a:r>
+                    </a:p>
+                  </a:txBody>
+                  <a:tcPr>
+                    <a:solidFill>
+                      <a:srgbClr val="00B050"/>
+                    </a:solidFill>
+                  </a:tcPr>
+                </a:tc>
+                <a:tc>
+                  <a:txBody>
+                    <a:bodyPr/>
+                    <a:lstStyle/>
+                    <a:p>
+                      <a:r>
+                        <a:rPr lang="en-US" dirty="0" smtClean="0"/>
+                        <a:t>3</a:t>
+                      </a:r>
+                      <a:endParaRPr lang="en-US" dirty="0"/>
+                    </a:p>
+                  </a:txBody>
+                  <a:tcPr>
+                    <a:solidFill>
+                      <a:srgbClr val="00B050"/>
+                    </a:solidFill>
+                  </a:tcPr>
+                </a:tc>
+                <a:tc>
+                  <a:txBody>
+                    <a:bodyPr/>
+                    <a:lstStyle/>
+                    <a:p>
+                      <a:r>
+                        <a:rPr lang="en-US" dirty="0" smtClean="0"/>
+                        <a:t>disagree</a:t>
+                      </a:r>
+                      <a:endParaRPr lang="en-US" dirty="0"/>
+                    </a:p>
+                  </a:txBody>
+                  <a:tcPr>
+                    <a:solidFill>
+                      <a:srgbClr val="00B050"/>
+                    </a:solidFill>
+                  </a:tcPr>
+                </a:tc>
+              </a:tr>
+            </a:tbl>
+          </a:graphicData>
+        </a:graphic>
+      </p:graphicFrame>
+    </p:spTree>
+    <p:extLst>
+      <p:ext uri="{BB962C8B-B14F-4D97-AF65-F5344CB8AC3E}">
+        <p14:creationId xmlns:p14="http://schemas.microsoft.com/office/powerpoint/2010/main" val="1877880610"/>
+      </p:ext>
+    </p:extLst>
+  </p:cSld>
+  <p:clrMapOvr>
+    <a:masterClrMapping/>
+  </p:clrMapOvr>
+</p:sld>
+</file>
+
+<file path=ppt/slides/slide11.xml><?xml version="1.0" encoding="utf-8"?>
+<p:sld xmlns:a="http://schemas.openxmlformats.org/drawingml/2006/main" xmlns:r="http://schemas.openxmlformats.org/officeDocument/2006/relationships" xmlns:p="http://schemas.openxmlformats.org/presentationml/2006/main">
+  <p:cSld>
+    <p:spTree>
+      <p:nvGrpSpPr>
+        <p:cNvPr id="1" name=""/>
+        <p:cNvGrpSpPr/>
+        <p:nvPr/>
+      </p:nvGrpSpPr>
+      <p:grpSpPr>
+        <a:xfrm>
+          <a:off x="0" y="0"/>
+          <a:ext cx="0" cy="0"/>
+          <a:chOff x="0" y="0"/>
+          <a:chExt cx="0" cy="0"/>
+        </a:xfrm>
+      </p:grpSpPr>
+      <p:sp>
+        <p:nvSpPr>
           <p:cNvPr id="2" name="Title 1">
             <a:extLst>
               <a:ext uri="{FF2B5EF4-FFF2-40B4-BE49-F238E27FC236}">
-                <a16:creationId xmlns:a16="http://schemas.microsoft.com/office/drawing/2014/main" id="{7320EA7E-2CD9-4B3B-B95F-667C0FFBB85D}"/>
+                <a16:creationId xmlns:a16="http://schemas.microsoft.com/office/drawing/2014/main" xmlns="" id="{14E2F4F8-6691-4D56-9842-3231A8711D81}"/>
+              </a:ext>
+            </a:extLst>
+          </p:cNvPr>
+          <p:cNvSpPr>
+            <a:spLocks noGrp="1"/>
+          </p:cNvSpPr>
+          <p:nvPr>
+            <p:ph type="title"/>
+          </p:nvPr>
+        </p:nvSpPr>
+        <p:spPr>
+          <a:xfrm>
+            <a:off x="657606" y="499533"/>
+            <a:ext cx="10772775" cy="1658198"/>
+          </a:xfrm>
+        </p:spPr>
+        <p:txBody>
+          <a:bodyPr/>
+          <a:lstStyle/>
+          <a:p>
+            <a:r>
+              <a:rPr lang="en-US" dirty="0"/>
+              <a:t>Evaluation</a:t>
+            </a:r>
+          </a:p>
+        </p:txBody>
+      </p:sp>
+      <p:sp>
+        <p:nvSpPr>
+          <p:cNvPr id="3" name="Content Placeholder 2">
+            <a:extLst>
+              <a:ext uri="{FF2B5EF4-FFF2-40B4-BE49-F238E27FC236}">
+                <a16:creationId xmlns:a16="http://schemas.microsoft.com/office/drawing/2014/main" xmlns="" id="{5DB1874F-D118-4F2D-A91B-AA1947BF8945}"/>
+              </a:ext>
+            </a:extLst>
+          </p:cNvPr>
+          <p:cNvSpPr>
+            <a:spLocks noGrp="1"/>
+          </p:cNvSpPr>
+          <p:nvPr>
+            <p:ph idx="1"/>
+          </p:nvPr>
+        </p:nvSpPr>
+        <p:spPr/>
+        <p:txBody>
+          <a:bodyPr/>
+          <a:lstStyle/>
+          <a:p>
+            <a:r>
+              <a:rPr lang="en-US" dirty="0"/>
+              <a:t>Confusion matrix</a:t>
+            </a:r>
+          </a:p>
+        </p:txBody>
+      </p:sp>
+      <p:pic>
+        <p:nvPicPr>
+          <p:cNvPr id="4" name="Picture 3">
+            <a:extLst>
+              <a:ext uri="{FF2B5EF4-FFF2-40B4-BE49-F238E27FC236}">
+                <a16:creationId xmlns:a16="http://schemas.microsoft.com/office/drawing/2014/main" xmlns="" id="{A98F750E-4472-4F02-9B80-CB435FB891B2}"/>
+              </a:ext>
+            </a:extLst>
+          </p:cNvPr>
+          <p:cNvPicPr>
+            <a:picLocks noChangeAspect="1"/>
+          </p:cNvPicPr>
+          <p:nvPr/>
+        </p:nvPicPr>
+        <p:blipFill>
+          <a:blip r:embed="rId2"/>
+          <a:stretch>
+            <a:fillRect/>
+          </a:stretch>
+        </p:blipFill>
+        <p:spPr>
+          <a:xfrm>
+            <a:off x="3238846" y="2662603"/>
+            <a:ext cx="4816186" cy="3052512"/>
+          </a:xfrm>
+          <a:prstGeom prst="rect">
+            <a:avLst/>
+          </a:prstGeom>
+        </p:spPr>
+      </p:pic>
+      <p:sp>
+        <p:nvSpPr>
+          <p:cNvPr id="5" name="Rectangle 4">
+            <a:extLst>
+              <a:ext uri="{FF2B5EF4-FFF2-40B4-BE49-F238E27FC236}">
+                <a16:creationId xmlns:a16="http://schemas.microsoft.com/office/drawing/2014/main" xmlns="" id="{B3F116FC-1D5B-4177-87B9-42329709585A}"/>
+              </a:ext>
+            </a:extLst>
+          </p:cNvPr>
+          <p:cNvSpPr/>
+          <p:nvPr/>
+        </p:nvSpPr>
+        <p:spPr>
+          <a:xfrm>
+            <a:off x="657606" y="6282737"/>
+            <a:ext cx="4589911" cy="369332"/>
+          </a:xfrm>
+          <a:prstGeom prst="rect">
+            <a:avLst/>
+          </a:prstGeom>
+        </p:spPr>
+        <p:txBody>
+          <a:bodyPr wrap="none">
+            <a:spAutoFit/>
+          </a:bodyPr>
+          <a:lstStyle/>
+          <a:p>
+            <a:r>
+              <a:rPr lang="en-US" dirty="0"/>
+              <a:t>https://en.wikipedia.org/wiki/Confusion_matrix</a:t>
+            </a:r>
+          </a:p>
+        </p:txBody>
+      </p:sp>
+    </p:spTree>
+    <p:extLst>
+      <p:ext uri="{BB962C8B-B14F-4D97-AF65-F5344CB8AC3E}">
+        <p14:creationId xmlns:p14="http://schemas.microsoft.com/office/powerpoint/2010/main" val="3018025767"/>
+      </p:ext>
+    </p:extLst>
+  </p:cSld>
+  <p:clrMapOvr>
+    <a:masterClrMapping/>
+  </p:clrMapOvr>
+</p:sld>
+</file>
+
+<file path=ppt/slides/slide12.xml><?xml version="1.0" encoding="utf-8"?>
+<p:sld xmlns:a="http://schemas.openxmlformats.org/drawingml/2006/main" xmlns:r="http://schemas.openxmlformats.org/officeDocument/2006/relationships" xmlns:p="http://schemas.openxmlformats.org/presentationml/2006/main">
+  <p:cSld>
+    <p:spTree>
+      <p:nvGrpSpPr>
+        <p:cNvPr id="1" name=""/>
+        <p:cNvGrpSpPr/>
+        <p:nvPr/>
+      </p:nvGrpSpPr>
+      <p:grpSpPr>
+        <a:xfrm>
+          <a:off x="0" y="0"/>
+          <a:ext cx="0" cy="0"/>
+          <a:chOff x="0" y="0"/>
+          <a:chExt cx="0" cy="0"/>
+        </a:xfrm>
+      </p:grpSpPr>
+      <p:sp>
+        <p:nvSpPr>
+          <p:cNvPr id="2" name="Title 1">
+            <a:extLst>
+              <a:ext uri="{FF2B5EF4-FFF2-40B4-BE49-F238E27FC236}">
+                <a16:creationId xmlns:a16="http://schemas.microsoft.com/office/drawing/2014/main" xmlns="" id="{7320EA7E-2CD9-4B3B-B95F-667C0FFBB85D}"/>
               </a:ext>
             </a:extLst>
           </p:cNvPr>
@@ -3518,7 +4499,7 @@
           <p:cNvPr id="5" name="Picture 4">
             <a:extLst>
               <a:ext uri="{FF2B5EF4-FFF2-40B4-BE49-F238E27FC236}">
-                <a16:creationId xmlns:a16="http://schemas.microsoft.com/office/drawing/2014/main" id="{1E4D8006-DDA5-4CF9-9F97-A56CB74A5481}"/>
+                <a16:creationId xmlns:a16="http://schemas.microsoft.com/office/drawing/2014/main" xmlns="" id="{1E4D8006-DDA5-4CF9-9F97-A56CB74A5481}"/>
               </a:ext>
             </a:extLst>
           </p:cNvPr>
@@ -3556,7 +4537,7 @@
 </p:sld>
 </file>
 
-<file path=ppt/slides/slide11.xml><?xml version="1.0" encoding="utf-8"?>
+<file path=ppt/slides/slide13.xml><?xml version="1.0" encoding="utf-8"?>
 <p:sld xmlns:a="http://schemas.openxmlformats.org/drawingml/2006/main" xmlns:r="http://schemas.openxmlformats.org/officeDocument/2006/relationships" xmlns:p="http://schemas.openxmlformats.org/presentationml/2006/main">
   <p:cSld>
     <p:spTree>
@@ -3578,7 +4559,7 @@
           <p:cNvPr id="2" name="Title 1">
             <a:extLst>
               <a:ext uri="{FF2B5EF4-FFF2-40B4-BE49-F238E27FC236}">
-                <a16:creationId xmlns:a16="http://schemas.microsoft.com/office/drawing/2014/main" id="{70F8F0E7-A7A5-4387-B95F-DB821D374E71}"/>
+                <a16:creationId xmlns:a16="http://schemas.microsoft.com/office/drawing/2014/main" xmlns="" id="{70F8F0E7-A7A5-4387-B95F-DB821D374E71}"/>
               </a:ext>
             </a:extLst>
           </p:cNvPr>
@@ -3614,7 +4595,7 @@
           <p:cNvPr id="3" name="Content Placeholder 2">
             <a:extLst>
               <a:ext uri="{FF2B5EF4-FFF2-40B4-BE49-F238E27FC236}">
-                <a16:creationId xmlns:a16="http://schemas.microsoft.com/office/drawing/2014/main" id="{E4F2D982-09CA-4CF7-967C-C3959E7FBC3E}"/>
+                <a16:creationId xmlns:a16="http://schemas.microsoft.com/office/drawing/2014/main" xmlns="" id="{E4F2D982-09CA-4CF7-967C-C3959E7FBC3E}"/>
               </a:ext>
             </a:extLst>
           </p:cNvPr>
@@ -3653,7 +4634,7 @@
 </p:sld>
 </file>
 
-<file path=ppt/slides/slide12.xml><?xml version="1.0" encoding="utf-8"?>
+<file path=ppt/slides/slide14.xml><?xml version="1.0" encoding="utf-8"?>
 <p:sld xmlns:a="http://schemas.openxmlformats.org/drawingml/2006/main" xmlns:r="http://schemas.openxmlformats.org/officeDocument/2006/relationships" xmlns:p="http://schemas.openxmlformats.org/presentationml/2006/main">
   <p:cSld>
     <p:spTree>
@@ -3675,7 +4656,7 @@
           <p:cNvPr id="2" name="Title 1">
             <a:extLst>
               <a:ext uri="{FF2B5EF4-FFF2-40B4-BE49-F238E27FC236}">
-                <a16:creationId xmlns:a16="http://schemas.microsoft.com/office/drawing/2014/main" id="{5BF09DE1-0D41-44CA-9D83-401A36311790}"/>
+                <a16:creationId xmlns:a16="http://schemas.microsoft.com/office/drawing/2014/main" xmlns="" id="{5BF09DE1-0D41-44CA-9D83-401A36311790}"/>
               </a:ext>
             </a:extLst>
           </p:cNvPr>
@@ -3703,7 +4684,7 @@
           <p:cNvPr id="3" name="Content Placeholder 2">
             <a:extLst>
               <a:ext uri="{FF2B5EF4-FFF2-40B4-BE49-F238E27FC236}">
-                <a16:creationId xmlns:a16="http://schemas.microsoft.com/office/drawing/2014/main" id="{1A4842D6-0AB0-4C2E-A258-4144F5EF291F}"/>
+                <a16:creationId xmlns:a16="http://schemas.microsoft.com/office/drawing/2014/main" xmlns="" id="{1A4842D6-0AB0-4C2E-A258-4144F5EF291F}"/>
               </a:ext>
             </a:extLst>
           </p:cNvPr>
@@ -3788,7 +4769,7 @@
           <p:cNvPr id="11" name="Rectangle 10">
             <a:extLst>
               <a:ext uri="{FF2B5EF4-FFF2-40B4-BE49-F238E27FC236}">
-                <a16:creationId xmlns:a16="http://schemas.microsoft.com/office/drawing/2014/main" id="{D8992966-904E-414A-B814-E87A7FB70B64}"/>
+                <a16:creationId xmlns:a16="http://schemas.microsoft.com/office/drawing/2014/main" xmlns="" id="{D8992966-904E-414A-B814-E87A7FB70B64}"/>
               </a:ext>
             </a:extLst>
           </p:cNvPr>
@@ -3837,7 +4818,7 @@
           <p:cNvPr id="12" name="Rectangle 11">
             <a:extLst>
               <a:ext uri="{FF2B5EF4-FFF2-40B4-BE49-F238E27FC236}">
-                <a16:creationId xmlns:a16="http://schemas.microsoft.com/office/drawing/2014/main" id="{250D2FD1-E779-44E0-A594-1D9BAD065B61}"/>
+                <a16:creationId xmlns:a16="http://schemas.microsoft.com/office/drawing/2014/main" xmlns="" id="{250D2FD1-E779-44E0-A594-1D9BAD065B61}"/>
               </a:ext>
             </a:extLst>
           </p:cNvPr>
@@ -3886,7 +4867,7 @@
           <p:cNvPr id="13" name="Rectangle: Rounded Corners 12">
             <a:extLst>
               <a:ext uri="{FF2B5EF4-FFF2-40B4-BE49-F238E27FC236}">
-                <a16:creationId xmlns:a16="http://schemas.microsoft.com/office/drawing/2014/main" id="{C0B0DC61-ABE6-4C95-A8BB-53929FDA2D7F}"/>
+                <a16:creationId xmlns:a16="http://schemas.microsoft.com/office/drawing/2014/main" xmlns="" id="{C0B0DC61-ABE6-4C95-A8BB-53929FDA2D7F}"/>
               </a:ext>
             </a:extLst>
           </p:cNvPr>
@@ -3935,7 +4916,7 @@
           <p:cNvPr id="14" name="Straight Arrow Connector 13">
             <a:extLst>
               <a:ext uri="{FF2B5EF4-FFF2-40B4-BE49-F238E27FC236}">
-                <a16:creationId xmlns:a16="http://schemas.microsoft.com/office/drawing/2014/main" id="{345B4C05-1D7B-4C45-9862-25A3074F2AD5}"/>
+                <a16:creationId xmlns:a16="http://schemas.microsoft.com/office/drawing/2014/main" xmlns="" id="{345B4C05-1D7B-4C45-9862-25A3074F2AD5}"/>
               </a:ext>
             </a:extLst>
           </p:cNvPr>
@@ -3974,7 +4955,7 @@
           <p:cNvPr id="15" name="Straight Arrow Connector 14">
             <a:extLst>
               <a:ext uri="{FF2B5EF4-FFF2-40B4-BE49-F238E27FC236}">
-                <a16:creationId xmlns:a16="http://schemas.microsoft.com/office/drawing/2014/main" id="{FC40F7A1-B873-4891-A636-D462BC84C8E1}"/>
+                <a16:creationId xmlns:a16="http://schemas.microsoft.com/office/drawing/2014/main" xmlns="" id="{FC40F7A1-B873-4891-A636-D462BC84C8E1}"/>
               </a:ext>
             </a:extLst>
           </p:cNvPr>
@@ -4015,7 +4996,7 @@
           <p:cNvPr id="16" name="Straight Arrow Connector 15">
             <a:extLst>
               <a:ext uri="{FF2B5EF4-FFF2-40B4-BE49-F238E27FC236}">
-                <a16:creationId xmlns:a16="http://schemas.microsoft.com/office/drawing/2014/main" id="{1CE8109A-5F1E-4311-B041-1D0FFEAA87FF}"/>
+                <a16:creationId xmlns:a16="http://schemas.microsoft.com/office/drawing/2014/main" xmlns="" id="{1CE8109A-5F1E-4311-B041-1D0FFEAA87FF}"/>
               </a:ext>
             </a:extLst>
           </p:cNvPr>
@@ -4054,7 +5035,7 @@
           <p:cNvPr id="17" name="Rectangle: Rounded Corners 16">
             <a:extLst>
               <a:ext uri="{FF2B5EF4-FFF2-40B4-BE49-F238E27FC236}">
-                <a16:creationId xmlns:a16="http://schemas.microsoft.com/office/drawing/2014/main" id="{CF615771-84A5-4F63-BDE6-574E0316AD45}"/>
+                <a16:creationId xmlns:a16="http://schemas.microsoft.com/office/drawing/2014/main" xmlns="" id="{CF615771-84A5-4F63-BDE6-574E0316AD45}"/>
               </a:ext>
             </a:extLst>
           </p:cNvPr>
@@ -4133,7 +5114,7 @@
           <p:cNvPr id="2" name="Title 1">
             <a:extLst>
               <a:ext uri="{FF2B5EF4-FFF2-40B4-BE49-F238E27FC236}">
-                <a16:creationId xmlns:a16="http://schemas.microsoft.com/office/drawing/2014/main" id="{7835EEFF-2192-4CD4-9190-86EDDF74A7EB}"/>
+                <a16:creationId xmlns:a16="http://schemas.microsoft.com/office/drawing/2014/main" xmlns="" id="{7835EEFF-2192-4CD4-9190-86EDDF74A7EB}"/>
               </a:ext>
             </a:extLst>
           </p:cNvPr>
@@ -4161,7 +5142,7 @@
           <p:cNvPr id="3" name="Content Placeholder 2">
             <a:extLst>
               <a:ext uri="{FF2B5EF4-FFF2-40B4-BE49-F238E27FC236}">
-                <a16:creationId xmlns:a16="http://schemas.microsoft.com/office/drawing/2014/main" id="{42AC5F99-AA95-4733-BE5A-107B64CC194D}"/>
+                <a16:creationId xmlns:a16="http://schemas.microsoft.com/office/drawing/2014/main" xmlns="" id="{42AC5F99-AA95-4733-BE5A-107B64CC194D}"/>
               </a:ext>
             </a:extLst>
           </p:cNvPr>
@@ -4179,8 +5160,13 @@
           <a:p>
             <a:r>
               <a:rPr lang="en-US" dirty="0"/>
-              <a:t>Lexical Similarity</a:t>
-            </a:r>
+              <a:t>Lexical </a:t>
+            </a:r>
+            <a:r>
+              <a:rPr lang="en-US" dirty="0" smtClean="0"/>
+              <a:t>Overlap</a:t>
+            </a:r>
+            <a:endParaRPr lang="en-US" dirty="0"/>
           </a:p>
           <a:p>
             <a:pPr lvl="1"/>
@@ -4226,13 +5212,7 @@
       </p:grpSpPr>
       <p:sp>
         <p:nvSpPr>
-          <p:cNvPr id="4" name="Title 3">
-            <a:extLst>
-              <a:ext uri="{FF2B5EF4-FFF2-40B4-BE49-F238E27FC236}">
-                <a16:creationId xmlns:a16="http://schemas.microsoft.com/office/drawing/2014/main" id="{C9FC5678-4112-4341-B20F-F8D278761D5D}"/>
-              </a:ext>
-            </a:extLst>
-          </p:cNvPr>
+          <p:cNvPr id="2" name="Title 1"/>
           <p:cNvSpPr>
             <a:spLocks noGrp="1"/>
           </p:cNvSpPr>
@@ -4246,21 +5226,16 @@
           <a:lstStyle/>
           <a:p>
             <a:r>
-              <a:rPr lang="en-US" dirty="0"/>
-              <a:t>The Code</a:t>
-            </a:r>
-          </a:p>
-        </p:txBody>
-      </p:sp>
-      <p:sp>
-        <p:nvSpPr>
-          <p:cNvPr id="5" name="Content Placeholder 4">
-            <a:extLst>
-              <a:ext uri="{FF2B5EF4-FFF2-40B4-BE49-F238E27FC236}">
-                <a16:creationId xmlns:a16="http://schemas.microsoft.com/office/drawing/2014/main" id="{C7031E5C-8EC5-4883-9788-673A55B9AC54}"/>
-              </a:ext>
-            </a:extLst>
-          </p:cNvPr>
+              <a:rPr lang="en-US" dirty="0" smtClean="0"/>
+              <a:t>Training a Classifier</a:t>
+            </a:r>
+            <a:endParaRPr lang="en-US" dirty="0"/>
+          </a:p>
+        </p:txBody>
+      </p:sp>
+      <p:sp>
+        <p:nvSpPr>
+          <p:cNvPr id="3" name="Content Placeholder 2"/>
           <p:cNvSpPr>
             <a:spLocks noGrp="1"/>
           </p:cNvSpPr>
@@ -4274,55 +5249,44 @@
           <a:lstStyle/>
           <a:p>
             <a:r>
-              <a:rPr lang="en-US" dirty="0"/>
-              <a:t>Generate_submission.py</a:t>
-            </a:r>
-          </a:p>
-          <a:p>
-            <a:pPr lvl="1"/>
-            <a:r>
-              <a:rPr lang="en-US" dirty="0"/>
-              <a:t>1. Load the data.</a:t>
-            </a:r>
-          </a:p>
-          <a:p>
-            <a:pPr lvl="1"/>
-            <a:r>
-              <a:rPr lang="en-US" dirty="0"/>
-              <a:t>2. Train and predict.</a:t>
-            </a:r>
-          </a:p>
-          <a:p>
-            <a:pPr lvl="2"/>
-            <a:r>
-              <a:rPr lang="en-US" i="0" dirty="0"/>
-              <a:t>train_and_predict_3_steps() in main.py</a:t>
-            </a:r>
-          </a:p>
-          <a:p>
-            <a:pPr lvl="3"/>
-            <a:r>
-              <a:rPr lang="en-US" dirty="0" err="1"/>
-              <a:t>extract_features</a:t>
-            </a:r>
-            <a:r>
-              <a:rPr lang="en-US" dirty="0"/>
-              <a:t> in features.py</a:t>
-            </a:r>
-          </a:p>
-          <a:p>
-            <a:pPr lvl="1"/>
-            <a:r>
-              <a:rPr lang="en-US" dirty="0"/>
-              <a:t>3. Save results.</a:t>
-            </a:r>
+              <a:rPr lang="en-US" dirty="0" smtClean="0"/>
+              <a:t>We use our feature extraction to create vectors from the appropriate training set</a:t>
+            </a:r>
+          </a:p>
+          <a:p>
+            <a:endParaRPr lang="en-US" dirty="0"/>
+          </a:p>
+          <a:p>
+            <a:r>
+              <a:rPr lang="en-US" dirty="0" smtClean="0"/>
+              <a:t>We feed a set of feature vectors and a set of binary class labels into a classifier</a:t>
+            </a:r>
+          </a:p>
+          <a:p>
+            <a:endParaRPr lang="en-US" dirty="0"/>
+          </a:p>
+          <a:p>
+            <a:r>
+              <a:rPr lang="en-US" dirty="0" smtClean="0"/>
+              <a:t>It trains on those examples</a:t>
+            </a:r>
+          </a:p>
+          <a:p>
+            <a:endParaRPr lang="en-US" dirty="0"/>
+          </a:p>
+          <a:p>
+            <a:r>
+              <a:rPr lang="en-US" dirty="0" smtClean="0"/>
+              <a:t>At the end, we run the classifiers on our test set, and pick out the label it thought was most likely</a:t>
+            </a:r>
+            <a:endParaRPr lang="en-US" dirty="0"/>
           </a:p>
         </p:txBody>
       </p:sp>
     </p:spTree>
     <p:extLst>
       <p:ext uri="{BB962C8B-B14F-4D97-AF65-F5344CB8AC3E}">
-        <p14:creationId xmlns:p14="http://schemas.microsoft.com/office/powerpoint/2010/main" val="1184966250"/>
+        <p14:creationId xmlns:p14="http://schemas.microsoft.com/office/powerpoint/2010/main" val="2068204462"/>
       </p:ext>
     </p:extLst>
   </p:cSld>
@@ -4351,10 +5315,10 @@
       </p:grpSpPr>
       <p:sp>
         <p:nvSpPr>
-          <p:cNvPr id="4" name="Title 3">
+          <p:cNvPr id="2" name="Title 1">
             <a:extLst>
               <a:ext uri="{FF2B5EF4-FFF2-40B4-BE49-F238E27FC236}">
-                <a16:creationId xmlns:a16="http://schemas.microsoft.com/office/drawing/2014/main" id="{C9FC5678-4112-4341-B20F-F8D278761D5D}"/>
+                <a16:creationId xmlns:a16="http://schemas.microsoft.com/office/drawing/2014/main" xmlns="" id="{9E66EEC9-EC3E-4359-B8B3-A22E487FFE11}"/>
               </a:ext>
             </a:extLst>
           </p:cNvPr>
@@ -4372,17 +5336,17 @@
           <a:p>
             <a:r>
               <a:rPr lang="en-US" dirty="0"/>
-              <a:t>The Code</a:t>
-            </a:r>
-          </a:p>
-        </p:txBody>
-      </p:sp>
-      <p:sp>
-        <p:nvSpPr>
-          <p:cNvPr id="5" name="Content Placeholder 4">
+              <a:t>The Classifier</a:t>
+            </a:r>
+          </a:p>
+        </p:txBody>
+      </p:sp>
+      <p:sp>
+        <p:nvSpPr>
+          <p:cNvPr id="3" name="Content Placeholder 2">
             <a:extLst>
               <a:ext uri="{FF2B5EF4-FFF2-40B4-BE49-F238E27FC236}">
-                <a16:creationId xmlns:a16="http://schemas.microsoft.com/office/drawing/2014/main" id="{C7031E5C-8EC5-4883-9788-673A55B9AC54}"/>
+                <a16:creationId xmlns:a16="http://schemas.microsoft.com/office/drawing/2014/main" xmlns="" id="{DAB4EEAE-A465-4871-822A-7982A3CC555E}"/>
               </a:ext>
             </a:extLst>
           </p:cNvPr>
@@ -4395,51 +5359,54 @@
         </p:nvSpPr>
         <p:spPr/>
         <p:txBody>
-          <a:bodyPr/>
+          <a:bodyPr>
+            <a:normAutofit fontScale="92500" lnSpcReduction="20000"/>
+          </a:bodyPr>
           <a:lstStyle/>
           <a:p>
             <a:r>
+              <a:rPr lang="en-US" dirty="0" smtClean="0"/>
+              <a:t>Using a package called </a:t>
+            </a:r>
+            <a:r>
+              <a:rPr lang="en-US" dirty="0" err="1" smtClean="0"/>
+              <a:t>xgboost</a:t>
+            </a:r>
+            <a:r>
+              <a:rPr lang="en-US" dirty="0" smtClean="0"/>
+              <a:t>, a really powerful machine learning classifier</a:t>
+            </a:r>
+          </a:p>
+          <a:p>
+            <a:endParaRPr lang="en-US" dirty="0"/>
+          </a:p>
+          <a:p>
+            <a:r>
+              <a:rPr lang="en-US" dirty="0" smtClean="0"/>
+              <a:t>They do almost all the work for us --- just feed it the right data!</a:t>
+            </a:r>
+          </a:p>
+          <a:p>
+            <a:endParaRPr lang="en-US" dirty="0"/>
+          </a:p>
+          <a:p>
+            <a:r>
+              <a:rPr lang="en-US" dirty="0" smtClean="0"/>
+              <a:t>Algorithm called gradient boosting, which is a way of combining several weak predictors to make a stronger predictor. Often it is used with decision trees. Imagine adding together a bunch of pretty-good decision trees in a way you know reduces the error, you’d get an even better decision-maker. </a:t>
+            </a:r>
+            <a:endParaRPr lang="en-US" dirty="0"/>
+          </a:p>
+          <a:p>
+            <a:endParaRPr lang="en-US" dirty="0" smtClean="0"/>
+          </a:p>
+          <a:p>
+            <a:r>
+              <a:rPr lang="en-US" dirty="0" smtClean="0"/>
+              <a:t>Read more here: http</a:t>
+            </a:r>
+            <a:r>
               <a:rPr lang="en-US" dirty="0"/>
-              <a:t>Generate_submission.py</a:t>
-            </a:r>
-          </a:p>
-          <a:p>
-            <a:pPr lvl="1"/>
-            <a:r>
-              <a:rPr lang="en-US" dirty="0"/>
-              <a:t>1. Load the data.</a:t>
-            </a:r>
-          </a:p>
-          <a:p>
-            <a:pPr lvl="1"/>
-            <a:r>
-              <a:rPr lang="en-US" dirty="0"/>
-              <a:t>2. Train and predict.</a:t>
-            </a:r>
-          </a:p>
-          <a:p>
-            <a:pPr lvl="2"/>
-            <a:r>
-              <a:rPr lang="en-US" i="0" dirty="0"/>
-              <a:t>train_and_predict_3_steps() in main.py</a:t>
-            </a:r>
-          </a:p>
-          <a:p>
-            <a:pPr lvl="3"/>
-            <a:r>
-              <a:rPr lang="en-US" b="1" dirty="0" err="1"/>
-              <a:t>extract_features</a:t>
-            </a:r>
-            <a:r>
-              <a:rPr lang="en-US" b="1" dirty="0"/>
-              <a:t> in features.py</a:t>
-            </a:r>
-          </a:p>
-          <a:p>
-            <a:pPr lvl="1"/>
-            <a:r>
-              <a:rPr lang="en-US" dirty="0"/>
-              <a:t>3. Save results.</a:t>
+              <a:t>://blog.kaggle.com/2017/01/23/a-kaggle-master-explains-gradient-boosting/</a:t>
             </a:r>
           </a:p>
         </p:txBody>
@@ -4447,7 +5414,7 @@
     </p:spTree>
     <p:extLst>
       <p:ext uri="{BB962C8B-B14F-4D97-AF65-F5344CB8AC3E}">
-        <p14:creationId xmlns:p14="http://schemas.microsoft.com/office/powerpoint/2010/main" val="490626301"/>
+        <p14:creationId xmlns:p14="http://schemas.microsoft.com/office/powerpoint/2010/main" val="1830829170"/>
       </p:ext>
     </p:extLst>
   </p:cSld>
@@ -4476,10 +5443,10 @@
       </p:grpSpPr>
       <p:sp>
         <p:nvSpPr>
-          <p:cNvPr id="2" name="Title 1">
+          <p:cNvPr id="4" name="Title 3">
             <a:extLst>
               <a:ext uri="{FF2B5EF4-FFF2-40B4-BE49-F238E27FC236}">
-                <a16:creationId xmlns:a16="http://schemas.microsoft.com/office/drawing/2014/main" id="{FE369A3B-32D4-4647-AD22-B93E80E1FED7}"/>
+                <a16:creationId xmlns:a16="http://schemas.microsoft.com/office/drawing/2014/main" xmlns="" id="{C9FC5678-4112-4341-B20F-F8D278761D5D}"/>
               </a:ext>
             </a:extLst>
           </p:cNvPr>
@@ -4496,18 +5463,19 @@
           <a:lstStyle/>
           <a:p>
             <a:r>
-              <a:rPr lang="en-US" dirty="0"/>
-              <a:t>Reading the Code</a:t>
-            </a:r>
-          </a:p>
-        </p:txBody>
-      </p:sp>
-      <p:sp>
-        <p:nvSpPr>
-          <p:cNvPr id="3" name="Content Placeholder 2">
+              <a:rPr lang="en-US" dirty="0" smtClean="0"/>
+              <a:t>Creating the training sets</a:t>
+            </a:r>
+            <a:endParaRPr lang="en-US" dirty="0"/>
+          </a:p>
+        </p:txBody>
+      </p:sp>
+      <p:sp>
+        <p:nvSpPr>
+          <p:cNvPr id="5" name="Content Placeholder 4">
             <a:extLst>
               <a:ext uri="{FF2B5EF4-FFF2-40B4-BE49-F238E27FC236}">
-                <a16:creationId xmlns:a16="http://schemas.microsoft.com/office/drawing/2014/main" id="{DD4B4D38-2435-46F4-9465-0AE4B25BCD73}"/>
+                <a16:creationId xmlns:a16="http://schemas.microsoft.com/office/drawing/2014/main" xmlns="" id="{C7031E5C-8EC5-4883-9788-673A55B9AC54}"/>
               </a:ext>
             </a:extLst>
           </p:cNvPr>
@@ -4523,67 +5491,305 @@
           <a:bodyPr/>
           <a:lstStyle/>
           <a:p>
-            <a:pPr marL="0" indent="0">
-              <a:buNone/>
-            </a:pPr>
-            <a:r>
-              <a:rPr lang="en-US" dirty="0"/>
-              <a:t>github.com/cchen23/AI4ALL_NLP_student/</a:t>
-            </a:r>
-          </a:p>
-          <a:p>
-            <a:pPr marL="0" indent="0">
-              <a:buNone/>
-            </a:pPr>
-            <a:r>
-              <a:rPr lang="en-US" dirty="0"/>
-              <a:t>Download 2018_08_09.zip</a:t>
+            <a:r>
+              <a:rPr lang="en-US" dirty="0" smtClean="0"/>
+              <a:t>How do we pick out the data to train our classifier?</a:t>
             </a:r>
           </a:p>
           <a:p>
             <a:endParaRPr lang="en-US" dirty="0"/>
           </a:p>
-          <a:p>
-            <a:pPr marL="0" indent="0">
-              <a:buNone/>
-            </a:pPr>
-            <a:r>
-              <a:rPr lang="en-US" b="1" dirty="0"/>
-              <a:t>Pair/Group activity:</a:t>
-            </a:r>
-          </a:p>
-          <a:p>
-            <a:pPr marL="0" indent="0">
-              <a:buNone/>
-            </a:pPr>
-            <a:r>
-              <a:rPr lang="en-US" dirty="0"/>
-              <a:t>Read through the code in the </a:t>
-            </a:r>
-            <a:r>
-              <a:rPr lang="en-US" dirty="0" err="1"/>
-              <a:t>src</a:t>
-            </a:r>
-            <a:r>
-              <a:rPr lang="en-US" dirty="0"/>
-              <a:t>/ folder</a:t>
-            </a:r>
-          </a:p>
-          <a:p>
-            <a:pPr marL="0" indent="0">
-              <a:buNone/>
-            </a:pPr>
-            <a:r>
-              <a:rPr lang="en-US" dirty="0"/>
-              <a:t>Write a trace of the main functions of the code, and annotate the trace with a short description of what each function does.</a:t>
-            </a:r>
-          </a:p>
-        </p:txBody>
-      </p:sp>
+        </p:txBody>
+      </p:sp>
+      <p:graphicFrame>
+        <p:nvGraphicFramePr>
+          <p:cNvPr id="2" name="Table 1"/>
+          <p:cNvGraphicFramePr>
+            <a:graphicFrameLocks noGrp="1"/>
+          </p:cNvGraphicFramePr>
+          <p:nvPr>
+            <p:extLst>
+              <p:ext uri="{D42A27DB-BD31-4B8C-83A1-F6EECF244321}">
+                <p14:modId xmlns:p14="http://schemas.microsoft.com/office/powerpoint/2010/main" val="1957112929"/>
+              </p:ext>
+            </p:extLst>
+          </p:nvPr>
+        </p:nvGraphicFramePr>
+        <p:xfrm>
+          <a:off x="1819965" y="3226118"/>
+          <a:ext cx="8127999" cy="1854200"/>
+        </p:xfrm>
+        <a:graphic>
+          <a:graphicData uri="http://schemas.openxmlformats.org/drawingml/2006/table">
+            <a:tbl>
+              <a:tblPr firstRow="1" bandRow="1">
+                <a:tableStyleId>{5C22544A-7EE6-4342-B048-85BDC9FD1C3A}</a:tableStyleId>
+              </a:tblPr>
+              <a:tblGrid>
+                <a:gridCol w="2709333"/>
+                <a:gridCol w="2709333"/>
+                <a:gridCol w="2709333"/>
+              </a:tblGrid>
+              <a:tr h="370840">
+                <a:tc>
+                  <a:txBody>
+                    <a:bodyPr/>
+                    <a:lstStyle/>
+                    <a:p>
+                      <a:r>
+                        <a:rPr lang="en-US" dirty="0" smtClean="0"/>
+                        <a:t>Headline</a:t>
+                      </a:r>
+                      <a:endParaRPr lang="en-US" dirty="0"/>
+                    </a:p>
+                  </a:txBody>
+                  <a:tcPr/>
+                </a:tc>
+                <a:tc>
+                  <a:txBody>
+                    <a:bodyPr/>
+                    <a:lstStyle/>
+                    <a:p>
+                      <a:r>
+                        <a:rPr lang="en-US" dirty="0" err="1" smtClean="0"/>
+                        <a:t>Body_ID</a:t>
+                      </a:r>
+                      <a:endParaRPr lang="en-US" dirty="0"/>
+                    </a:p>
+                  </a:txBody>
+                  <a:tcPr/>
+                </a:tc>
+                <a:tc>
+                  <a:txBody>
+                    <a:bodyPr/>
+                    <a:lstStyle/>
+                    <a:p>
+                      <a:r>
+                        <a:rPr lang="en-US" dirty="0" smtClean="0"/>
+                        <a:t>Stance</a:t>
+                      </a:r>
+                      <a:endParaRPr lang="en-US" dirty="0"/>
+                    </a:p>
+                  </a:txBody>
+                  <a:tcPr/>
+                </a:tc>
+              </a:tr>
+              <a:tr h="370840">
+                <a:tc>
+                  <a:txBody>
+                    <a:bodyPr/>
+                    <a:lstStyle/>
+                    <a:p>
+                      <a:r>
+                        <a:rPr lang="en-US" dirty="0" smtClean="0"/>
+                        <a:t>“Blah blah”</a:t>
+                      </a:r>
+                      <a:endParaRPr lang="en-US" dirty="0"/>
+                    </a:p>
+                  </a:txBody>
+                  <a:tcPr/>
+                </a:tc>
+                <a:tc>
+                  <a:txBody>
+                    <a:bodyPr/>
+                    <a:lstStyle/>
+                    <a:p>
+                      <a:r>
+                        <a:rPr lang="en-US" dirty="0" smtClean="0"/>
+                        <a:t>0</a:t>
+                      </a:r>
+                      <a:endParaRPr lang="en-US" dirty="0"/>
+                    </a:p>
+                  </a:txBody>
+                  <a:tcPr/>
+                </a:tc>
+                <a:tc>
+                  <a:txBody>
+                    <a:bodyPr/>
+                    <a:lstStyle/>
+                    <a:p>
+                      <a:r>
+                        <a:rPr lang="en-US" dirty="0" smtClean="0"/>
+                        <a:t>unrelated</a:t>
+                      </a:r>
+                      <a:endParaRPr lang="en-US" dirty="0"/>
+                    </a:p>
+                  </a:txBody>
+                  <a:tcPr/>
+                </a:tc>
+              </a:tr>
+              <a:tr h="370840">
+                <a:tc>
+                  <a:txBody>
+                    <a:bodyPr/>
+                    <a:lstStyle/>
+                    <a:p>
+                      <a:r>
+                        <a:rPr lang="en-US" dirty="0" smtClean="0"/>
+                        <a:t>“Blah blah”</a:t>
+                      </a:r>
+                      <a:endParaRPr lang="en-US" dirty="0"/>
+                    </a:p>
+                  </a:txBody>
+                  <a:tcPr/>
+                </a:tc>
+                <a:tc>
+                  <a:txBody>
+                    <a:bodyPr/>
+                    <a:lstStyle/>
+                    <a:p>
+                      <a:r>
+                        <a:rPr lang="en-US" dirty="0" smtClean="0"/>
+                        <a:t>1</a:t>
+                      </a:r>
+                      <a:endParaRPr lang="en-US" dirty="0"/>
+                    </a:p>
+                  </a:txBody>
+                  <a:tcPr/>
+                </a:tc>
+                <a:tc>
+                  <a:txBody>
+                    <a:bodyPr/>
+                    <a:lstStyle/>
+                    <a:p>
+                      <a:r>
+                        <a:rPr lang="en-US" dirty="0" smtClean="0"/>
+                        <a:t>discuss</a:t>
+                      </a:r>
+                      <a:endParaRPr lang="en-US" dirty="0"/>
+                    </a:p>
+                  </a:txBody>
+                  <a:tcPr/>
+                </a:tc>
+              </a:tr>
+              <a:tr h="370840">
+                <a:tc>
+                  <a:txBody>
+                    <a:bodyPr/>
+                    <a:lstStyle/>
+                    <a:p>
+                      <a:pPr marL="0" marR="0" indent="0" algn="l" defTabSz="914400" rtl="0" eaLnBrk="1" fontAlgn="auto" latinLnBrk="0" hangingPunct="1">
+                        <a:lnSpc>
+                          <a:spcPct val="100000"/>
+                        </a:lnSpc>
+                        <a:spcBef>
+                          <a:spcPts val="0"/>
+                        </a:spcBef>
+                        <a:spcAft>
+                          <a:spcPts val="0"/>
+                        </a:spcAft>
+                        <a:buClrTx/>
+                        <a:buSzTx/>
+                        <a:buFontTx/>
+                        <a:buNone/>
+                        <a:tabLst/>
+                        <a:defRPr/>
+                      </a:pPr>
+                      <a:r>
+                        <a:rPr lang="en-US" dirty="0" smtClean="0"/>
+                        <a:t>“Blah blah”</a:t>
+                      </a:r>
+                    </a:p>
+                  </a:txBody>
+                  <a:tcPr/>
+                </a:tc>
+                <a:tc>
+                  <a:txBody>
+                    <a:bodyPr/>
+                    <a:lstStyle/>
+                    <a:p>
+                      <a:r>
+                        <a:rPr lang="en-US" dirty="0" smtClean="0"/>
+                        <a:t>2</a:t>
+                      </a:r>
+                      <a:endParaRPr lang="en-US" dirty="0"/>
+                    </a:p>
+                  </a:txBody>
+                  <a:tcPr/>
+                </a:tc>
+                <a:tc>
+                  <a:txBody>
+                    <a:bodyPr/>
+                    <a:lstStyle/>
+                    <a:p>
+                      <a:r>
+                        <a:rPr lang="en-US" dirty="0" smtClean="0"/>
+                        <a:t>agree</a:t>
+                      </a:r>
+                      <a:endParaRPr lang="en-US" dirty="0"/>
+                    </a:p>
+                  </a:txBody>
+                  <a:tcPr/>
+                </a:tc>
+              </a:tr>
+              <a:tr h="370840">
+                <a:tc>
+                  <a:txBody>
+                    <a:bodyPr/>
+                    <a:lstStyle/>
+                    <a:p>
+                      <a:pPr marL="0" marR="0" indent="0" algn="l" defTabSz="914400" rtl="0" eaLnBrk="1" fontAlgn="auto" latinLnBrk="0" hangingPunct="1">
+                        <a:lnSpc>
+                          <a:spcPct val="100000"/>
+                        </a:lnSpc>
+                        <a:spcBef>
+                          <a:spcPts val="0"/>
+                        </a:spcBef>
+                        <a:spcAft>
+                          <a:spcPts val="0"/>
+                        </a:spcAft>
+                        <a:buClrTx/>
+                        <a:buSzTx/>
+                        <a:buFontTx/>
+                        <a:buNone/>
+                        <a:tabLst/>
+                        <a:defRPr/>
+                      </a:pPr>
+                      <a:r>
+                        <a:rPr lang="en-US" dirty="0" smtClean="0"/>
+                        <a:t>“Blah blah”</a:t>
+                      </a:r>
+                    </a:p>
+                  </a:txBody>
+                  <a:tcPr/>
+                </a:tc>
+                <a:tc>
+                  <a:txBody>
+                    <a:bodyPr/>
+                    <a:lstStyle/>
+                    <a:p>
+                      <a:r>
+                        <a:rPr lang="en-US" dirty="0" smtClean="0"/>
+                        <a:t>3</a:t>
+                      </a:r>
+                      <a:endParaRPr lang="en-US" dirty="0"/>
+                    </a:p>
+                  </a:txBody>
+                  <a:tcPr/>
+                </a:tc>
+                <a:tc>
+                  <a:txBody>
+                    <a:bodyPr/>
+                    <a:lstStyle/>
+                    <a:p>
+                      <a:r>
+                        <a:rPr lang="en-US" dirty="0" smtClean="0"/>
+                        <a:t>disagree</a:t>
+                      </a:r>
+                      <a:endParaRPr lang="en-US" dirty="0"/>
+                    </a:p>
+                  </a:txBody>
+                  <a:tcPr/>
+                </a:tc>
+              </a:tr>
+            </a:tbl>
+          </a:graphicData>
+        </a:graphic>
+      </p:graphicFrame>
     </p:spTree>
     <p:extLst>
       <p:ext uri="{BB962C8B-B14F-4D97-AF65-F5344CB8AC3E}">
-        <p14:creationId xmlns:p14="http://schemas.microsoft.com/office/powerpoint/2010/main" val="1698410515"/>
+        <p14:creationId xmlns:p14="http://schemas.microsoft.com/office/powerpoint/2010/main" val="1184966250"/>
       </p:ext>
     </p:extLst>
   </p:cSld>
@@ -4612,10 +5818,10 @@
       </p:grpSpPr>
       <p:sp>
         <p:nvSpPr>
-          <p:cNvPr id="2" name="Title 1">
+          <p:cNvPr id="4" name="Title 3">
             <a:extLst>
               <a:ext uri="{FF2B5EF4-FFF2-40B4-BE49-F238E27FC236}">
-                <a16:creationId xmlns:a16="http://schemas.microsoft.com/office/drawing/2014/main" id="{9E66EEC9-EC3E-4359-B8B3-A22E487FFE11}"/>
+                <a16:creationId xmlns:a16="http://schemas.microsoft.com/office/drawing/2014/main" xmlns="" id="{C9FC5678-4112-4341-B20F-F8D278761D5D}"/>
               </a:ext>
             </a:extLst>
           </p:cNvPr>
@@ -4632,18 +5838,19 @@
           <a:lstStyle/>
           <a:p>
             <a:r>
-              <a:rPr lang="en-US" dirty="0"/>
-              <a:t>The Classifier</a:t>
-            </a:r>
-          </a:p>
-        </p:txBody>
-      </p:sp>
-      <p:sp>
-        <p:nvSpPr>
-          <p:cNvPr id="3" name="Content Placeholder 2">
+              <a:rPr lang="en-US" dirty="0" smtClean="0"/>
+              <a:t>Creating the training sets</a:t>
+            </a:r>
+            <a:endParaRPr lang="en-US" dirty="0"/>
+          </a:p>
+        </p:txBody>
+      </p:sp>
+      <p:sp>
+        <p:nvSpPr>
+          <p:cNvPr id="5" name="Content Placeholder 4">
             <a:extLst>
               <a:ext uri="{FF2B5EF4-FFF2-40B4-BE49-F238E27FC236}">
-                <a16:creationId xmlns:a16="http://schemas.microsoft.com/office/drawing/2014/main" id="{DAB4EEAE-A465-4871-822A-7982A3CC555E}"/>
+                <a16:creationId xmlns:a16="http://schemas.microsoft.com/office/drawing/2014/main" xmlns="" id="{C7031E5C-8EC5-4883-9788-673A55B9AC54}"/>
               </a:ext>
             </a:extLst>
           </p:cNvPr>
@@ -4660,16 +5867,352 @@
           <a:lstStyle/>
           <a:p>
             <a:r>
-              <a:rPr lang="en-US" dirty="0"/>
-              <a:t>http://blog.kaggle.com/2017/01/23/a-kaggle-master-explains-gradient-boosting/</a:t>
-            </a:r>
-          </a:p>
-        </p:txBody>
-      </p:sp>
+              <a:rPr lang="en-US" dirty="0" smtClean="0"/>
+              <a:t>Unrelated vs related</a:t>
+            </a:r>
+          </a:p>
+          <a:p>
+            <a:endParaRPr lang="en-US" dirty="0"/>
+          </a:p>
+        </p:txBody>
+      </p:sp>
+      <p:graphicFrame>
+        <p:nvGraphicFramePr>
+          <p:cNvPr id="2" name="Table 1"/>
+          <p:cNvGraphicFramePr>
+            <a:graphicFrameLocks noGrp="1"/>
+          </p:cNvGraphicFramePr>
+          <p:nvPr>
+            <p:extLst>
+              <p:ext uri="{D42A27DB-BD31-4B8C-83A1-F6EECF244321}">
+                <p14:modId xmlns:p14="http://schemas.microsoft.com/office/powerpoint/2010/main" val="6289238"/>
+              </p:ext>
+            </p:extLst>
+          </p:nvPr>
+        </p:nvGraphicFramePr>
+        <p:xfrm>
+          <a:off x="1819965" y="3226118"/>
+          <a:ext cx="8127999" cy="1854200"/>
+        </p:xfrm>
+        <a:graphic>
+          <a:graphicData uri="http://schemas.openxmlformats.org/drawingml/2006/table">
+            <a:tbl>
+              <a:tblPr firstRow="1" bandRow="1">
+                <a:tableStyleId>{5C22544A-7EE6-4342-B048-85BDC9FD1C3A}</a:tableStyleId>
+              </a:tblPr>
+              <a:tblGrid>
+                <a:gridCol w="2709333"/>
+                <a:gridCol w="2709333"/>
+                <a:gridCol w="2709333"/>
+              </a:tblGrid>
+              <a:tr h="370840">
+                <a:tc>
+                  <a:txBody>
+                    <a:bodyPr/>
+                    <a:lstStyle/>
+                    <a:p>
+                      <a:r>
+                        <a:rPr lang="en-US" dirty="0" smtClean="0"/>
+                        <a:t>Headline</a:t>
+                      </a:r>
+                      <a:endParaRPr lang="en-US" dirty="0"/>
+                    </a:p>
+                  </a:txBody>
+                  <a:tcPr/>
+                </a:tc>
+                <a:tc>
+                  <a:txBody>
+                    <a:bodyPr/>
+                    <a:lstStyle/>
+                    <a:p>
+                      <a:r>
+                        <a:rPr lang="en-US" dirty="0" err="1" smtClean="0"/>
+                        <a:t>Body_ID</a:t>
+                      </a:r>
+                      <a:endParaRPr lang="en-US" dirty="0"/>
+                    </a:p>
+                  </a:txBody>
+                  <a:tcPr/>
+                </a:tc>
+                <a:tc>
+                  <a:txBody>
+                    <a:bodyPr/>
+                    <a:lstStyle/>
+                    <a:p>
+                      <a:r>
+                        <a:rPr lang="en-US" dirty="0" smtClean="0"/>
+                        <a:t>Stance</a:t>
+                      </a:r>
+                      <a:endParaRPr lang="en-US" dirty="0"/>
+                    </a:p>
+                  </a:txBody>
+                  <a:tcPr/>
+                </a:tc>
+              </a:tr>
+              <a:tr h="370840">
+                <a:tc>
+                  <a:txBody>
+                    <a:bodyPr/>
+                    <a:lstStyle/>
+                    <a:p>
+                      <a:r>
+                        <a:rPr lang="en-US" dirty="0" smtClean="0"/>
+                        <a:t>“Blah blah”</a:t>
+                      </a:r>
+                      <a:endParaRPr lang="en-US" dirty="0"/>
+                    </a:p>
+                  </a:txBody>
+                  <a:tcPr>
+                    <a:solidFill>
+                      <a:srgbClr val="00B050"/>
+                    </a:solidFill>
+                  </a:tcPr>
+                </a:tc>
+                <a:tc>
+                  <a:txBody>
+                    <a:bodyPr/>
+                    <a:lstStyle/>
+                    <a:p>
+                      <a:r>
+                        <a:rPr lang="en-US" dirty="0" smtClean="0"/>
+                        <a:t>0</a:t>
+                      </a:r>
+                      <a:endParaRPr lang="en-US" dirty="0"/>
+                    </a:p>
+                  </a:txBody>
+                  <a:tcPr>
+                    <a:solidFill>
+                      <a:srgbClr val="00B050"/>
+                    </a:solidFill>
+                  </a:tcPr>
+                </a:tc>
+                <a:tc>
+                  <a:txBody>
+                    <a:bodyPr/>
+                    <a:lstStyle/>
+                    <a:p>
+                      <a:r>
+                        <a:rPr lang="en-US" dirty="0" smtClean="0"/>
+                        <a:t>unrelated</a:t>
+                      </a:r>
+                      <a:endParaRPr lang="en-US" dirty="0"/>
+                    </a:p>
+                  </a:txBody>
+                  <a:tcPr>
+                    <a:solidFill>
+                      <a:srgbClr val="00B050"/>
+                    </a:solidFill>
+                  </a:tcPr>
+                </a:tc>
+              </a:tr>
+              <a:tr h="370840">
+                <a:tc>
+                  <a:txBody>
+                    <a:bodyPr/>
+                    <a:lstStyle/>
+                    <a:p>
+                      <a:r>
+                        <a:rPr lang="en-US" dirty="0" smtClean="0"/>
+                        <a:t>“Blah blah”</a:t>
+                      </a:r>
+                      <a:endParaRPr lang="en-US" dirty="0"/>
+                    </a:p>
+                  </a:txBody>
+                  <a:tcPr>
+                    <a:solidFill>
+                      <a:srgbClr val="FF0000"/>
+                    </a:solidFill>
+                  </a:tcPr>
+                </a:tc>
+                <a:tc>
+                  <a:txBody>
+                    <a:bodyPr/>
+                    <a:lstStyle/>
+                    <a:p>
+                      <a:r>
+                        <a:rPr lang="en-US" dirty="0" smtClean="0"/>
+                        <a:t>1</a:t>
+                      </a:r>
+                      <a:endParaRPr lang="en-US" dirty="0"/>
+                    </a:p>
+                  </a:txBody>
+                  <a:tcPr>
+                    <a:solidFill>
+                      <a:srgbClr val="FF0000"/>
+                    </a:solidFill>
+                  </a:tcPr>
+                </a:tc>
+                <a:tc>
+                  <a:txBody>
+                    <a:bodyPr/>
+                    <a:lstStyle/>
+                    <a:p>
+                      <a:r>
+                        <a:rPr lang="en-US" dirty="0" smtClean="0"/>
+                        <a:t>discuss</a:t>
+                      </a:r>
+                      <a:endParaRPr lang="en-US" dirty="0"/>
+                    </a:p>
+                  </a:txBody>
+                  <a:tcPr>
+                    <a:solidFill>
+                      <a:srgbClr val="FF0000"/>
+                    </a:solidFill>
+                  </a:tcPr>
+                </a:tc>
+              </a:tr>
+              <a:tr h="370840">
+                <a:tc>
+                  <a:txBody>
+                    <a:bodyPr/>
+                    <a:lstStyle/>
+                    <a:p>
+                      <a:pPr marL="0" marR="0" indent="0" algn="l" defTabSz="914400" rtl="0" eaLnBrk="1" fontAlgn="auto" latinLnBrk="0" hangingPunct="1">
+                        <a:lnSpc>
+                          <a:spcPct val="100000"/>
+                        </a:lnSpc>
+                        <a:spcBef>
+                          <a:spcPts val="0"/>
+                        </a:spcBef>
+                        <a:spcAft>
+                          <a:spcPts val="0"/>
+                        </a:spcAft>
+                        <a:buClrTx/>
+                        <a:buSzTx/>
+                        <a:buFontTx/>
+                        <a:buNone/>
+                        <a:tabLst/>
+                        <a:defRPr/>
+                      </a:pPr>
+                      <a:r>
+                        <a:rPr lang="en-US" dirty="0" smtClean="0"/>
+                        <a:t>“Blah blah”</a:t>
+                      </a:r>
+                    </a:p>
+                  </a:txBody>
+                  <a:tcPr>
+                    <a:solidFill>
+                      <a:srgbClr val="FF0000"/>
+                    </a:solidFill>
+                  </a:tcPr>
+                </a:tc>
+                <a:tc>
+                  <a:txBody>
+                    <a:bodyPr/>
+                    <a:lstStyle/>
+                    <a:p>
+                      <a:r>
+                        <a:rPr lang="en-US" dirty="0" smtClean="0"/>
+                        <a:t>2</a:t>
+                      </a:r>
+                      <a:endParaRPr lang="en-US" dirty="0"/>
+                    </a:p>
+                  </a:txBody>
+                  <a:tcPr>
+                    <a:solidFill>
+                      <a:srgbClr val="FF0000"/>
+                    </a:solidFill>
+                  </a:tcPr>
+                </a:tc>
+                <a:tc>
+                  <a:txBody>
+                    <a:bodyPr/>
+                    <a:lstStyle/>
+                    <a:p>
+                      <a:r>
+                        <a:rPr lang="en-US" dirty="0" smtClean="0"/>
+                        <a:t>agree</a:t>
+                      </a:r>
+                      <a:endParaRPr lang="en-US" dirty="0"/>
+                    </a:p>
+                  </a:txBody>
+                  <a:tcPr>
+                    <a:solidFill>
+                      <a:srgbClr val="FF0000"/>
+                    </a:solidFill>
+                  </a:tcPr>
+                </a:tc>
+              </a:tr>
+              <a:tr h="370840">
+                <a:tc>
+                  <a:txBody>
+                    <a:bodyPr/>
+                    <a:lstStyle/>
+                    <a:p>
+                      <a:pPr marL="0" marR="0" indent="0" algn="l" defTabSz="914400" rtl="0" eaLnBrk="1" fontAlgn="auto" latinLnBrk="0" hangingPunct="1">
+                        <a:lnSpc>
+                          <a:spcPct val="100000"/>
+                        </a:lnSpc>
+                        <a:spcBef>
+                          <a:spcPts val="0"/>
+                        </a:spcBef>
+                        <a:spcAft>
+                          <a:spcPts val="0"/>
+                        </a:spcAft>
+                        <a:buClrTx/>
+                        <a:buSzTx/>
+                        <a:buFontTx/>
+                        <a:buNone/>
+                        <a:tabLst/>
+                        <a:defRPr/>
+                      </a:pPr>
+                      <a:r>
+                        <a:rPr lang="en-US" dirty="0" smtClean="0"/>
+                        <a:t>“Blah blah”</a:t>
+                      </a:r>
+                    </a:p>
+                  </a:txBody>
+                  <a:tcPr>
+                    <a:solidFill>
+                      <a:srgbClr val="FF0000"/>
+                    </a:solidFill>
+                  </a:tcPr>
+                </a:tc>
+                <a:tc>
+                  <a:txBody>
+                    <a:bodyPr/>
+                    <a:lstStyle/>
+                    <a:p>
+                      <a:r>
+                        <a:rPr lang="en-US" dirty="0" smtClean="0"/>
+                        <a:t>3</a:t>
+                      </a:r>
+                      <a:endParaRPr lang="en-US" dirty="0"/>
+                    </a:p>
+                  </a:txBody>
+                  <a:tcPr>
+                    <a:solidFill>
+                      <a:srgbClr val="FF0000"/>
+                    </a:solidFill>
+                  </a:tcPr>
+                </a:tc>
+                <a:tc>
+                  <a:txBody>
+                    <a:bodyPr/>
+                    <a:lstStyle/>
+                    <a:p>
+                      <a:r>
+                        <a:rPr lang="en-US" dirty="0" smtClean="0"/>
+                        <a:t>disagree</a:t>
+                      </a:r>
+                      <a:endParaRPr lang="en-US" dirty="0"/>
+                    </a:p>
+                  </a:txBody>
+                  <a:tcPr>
+                    <a:solidFill>
+                      <a:srgbClr val="FF0000"/>
+                    </a:solidFill>
+                  </a:tcPr>
+                </a:tc>
+              </a:tr>
+            </a:tbl>
+          </a:graphicData>
+        </a:graphic>
+      </p:graphicFrame>
     </p:spTree>
     <p:extLst>
       <p:ext uri="{BB962C8B-B14F-4D97-AF65-F5344CB8AC3E}">
-        <p14:creationId xmlns:p14="http://schemas.microsoft.com/office/powerpoint/2010/main" val="1830829170"/>
+        <p14:creationId xmlns:p14="http://schemas.microsoft.com/office/powerpoint/2010/main" val="912490304"/>
       </p:ext>
     </p:extLst>
   </p:cSld>
@@ -4698,10 +6241,10 @@
       </p:grpSpPr>
       <p:sp>
         <p:nvSpPr>
-          <p:cNvPr id="2" name="Title 1">
+          <p:cNvPr id="4" name="Title 3">
             <a:extLst>
               <a:ext uri="{FF2B5EF4-FFF2-40B4-BE49-F238E27FC236}">
-                <a16:creationId xmlns:a16="http://schemas.microsoft.com/office/drawing/2014/main" id="{14E2F4F8-6691-4D56-9842-3231A8711D81}"/>
+                <a16:creationId xmlns:a16="http://schemas.microsoft.com/office/drawing/2014/main" xmlns="" id="{C9FC5678-4112-4341-B20F-F8D278761D5D}"/>
               </a:ext>
             </a:extLst>
           </p:cNvPr>
@@ -4712,29 +6255,25 @@
             <p:ph type="title"/>
           </p:nvPr>
         </p:nvSpPr>
-        <p:spPr>
-          <a:xfrm>
-            <a:off x="657606" y="499533"/>
-            <a:ext cx="10772775" cy="1658198"/>
-          </a:xfrm>
-        </p:spPr>
+        <p:spPr/>
         <p:txBody>
           <a:bodyPr/>
           <a:lstStyle/>
           <a:p>
             <a:r>
-              <a:rPr lang="en-US" dirty="0"/>
-              <a:t>Evaluation</a:t>
-            </a:r>
-          </a:p>
-        </p:txBody>
-      </p:sp>
-      <p:sp>
-        <p:nvSpPr>
-          <p:cNvPr id="3" name="Content Placeholder 2">
+              <a:rPr lang="en-US" dirty="0" smtClean="0"/>
+              <a:t>Creating the training sets</a:t>
+            </a:r>
+            <a:endParaRPr lang="en-US" dirty="0"/>
+          </a:p>
+        </p:txBody>
+      </p:sp>
+      <p:sp>
+        <p:nvSpPr>
+          <p:cNvPr id="5" name="Content Placeholder 4">
             <a:extLst>
               <a:ext uri="{FF2B5EF4-FFF2-40B4-BE49-F238E27FC236}">
-                <a16:creationId xmlns:a16="http://schemas.microsoft.com/office/drawing/2014/main" id="{5DB1874F-D118-4F2D-A91B-AA1947BF8945}"/>
+                <a16:creationId xmlns:a16="http://schemas.microsoft.com/office/drawing/2014/main" xmlns="" id="{C7031E5C-8EC5-4883-9788-673A55B9AC54}"/>
               </a:ext>
             </a:extLst>
           </p:cNvPr>
@@ -4751,80 +6290,376 @@
           <a:lstStyle/>
           <a:p>
             <a:r>
-              <a:rPr lang="en-US" dirty="0"/>
-              <a:t>Confusion matrix</a:t>
-            </a:r>
-          </a:p>
-        </p:txBody>
-      </p:sp>
-      <p:pic>
-        <p:nvPicPr>
-          <p:cNvPr id="4" name="Picture 3">
-            <a:extLst>
-              <a:ext uri="{FF2B5EF4-FFF2-40B4-BE49-F238E27FC236}">
-                <a16:creationId xmlns:a16="http://schemas.microsoft.com/office/drawing/2014/main" id="{A98F750E-4472-4F02-9B80-CB435FB891B2}"/>
-              </a:ext>
-            </a:extLst>
-          </p:cNvPr>
-          <p:cNvPicPr>
-            <a:picLocks noChangeAspect="1"/>
-          </p:cNvPicPr>
-          <p:nvPr/>
-        </p:nvPicPr>
-        <p:blipFill>
-          <a:blip r:embed="rId2"/>
-          <a:stretch>
-            <a:fillRect/>
-          </a:stretch>
-        </p:blipFill>
-        <p:spPr>
-          <a:xfrm>
-            <a:off x="3238846" y="2662603"/>
-            <a:ext cx="4816186" cy="3052512"/>
-          </a:xfrm>
-          <a:prstGeom prst="rect">
-            <a:avLst/>
-          </a:prstGeom>
-        </p:spPr>
-      </p:pic>
-      <p:sp>
-        <p:nvSpPr>
-          <p:cNvPr id="5" name="Rectangle 4">
-            <a:extLst>
-              <a:ext uri="{FF2B5EF4-FFF2-40B4-BE49-F238E27FC236}">
-                <a16:creationId xmlns:a16="http://schemas.microsoft.com/office/drawing/2014/main" id="{B3F116FC-1D5B-4177-87B9-42329709585A}"/>
-              </a:ext>
-            </a:extLst>
-          </p:cNvPr>
-          <p:cNvSpPr/>
-          <p:nvPr/>
-        </p:nvSpPr>
-        <p:spPr>
-          <a:xfrm>
-            <a:off x="657606" y="6282737"/>
-            <a:ext cx="4589911" cy="369332"/>
-          </a:xfrm>
-          <a:prstGeom prst="rect">
-            <a:avLst/>
-          </a:prstGeom>
-        </p:spPr>
-        <p:txBody>
-          <a:bodyPr wrap="none">
-            <a:spAutoFit/>
-          </a:bodyPr>
-          <a:lstStyle/>
-          <a:p>
-            <a:r>
-              <a:rPr lang="en-US" dirty="0"/>
-              <a:t>https://en.wikipedia.org/wiki/Confusion_matrix</a:t>
-            </a:r>
-          </a:p>
-        </p:txBody>
-      </p:sp>
+              <a:rPr lang="en-US" dirty="0" smtClean="0"/>
+              <a:t>Discuss vs not-discuss</a:t>
+            </a:r>
+          </a:p>
+          <a:p>
+            <a:endParaRPr lang="en-US" dirty="0"/>
+          </a:p>
+        </p:txBody>
+      </p:sp>
+      <p:graphicFrame>
+        <p:nvGraphicFramePr>
+          <p:cNvPr id="2" name="Table 1"/>
+          <p:cNvGraphicFramePr>
+            <a:graphicFrameLocks noGrp="1"/>
+          </p:cNvGraphicFramePr>
+          <p:nvPr>
+            <p:extLst>
+              <p:ext uri="{D42A27DB-BD31-4B8C-83A1-F6EECF244321}">
+                <p14:modId xmlns:p14="http://schemas.microsoft.com/office/powerpoint/2010/main" val="1536936599"/>
+              </p:ext>
+            </p:extLst>
+          </p:nvPr>
+        </p:nvGraphicFramePr>
+        <p:xfrm>
+          <a:off x="1819965" y="3226118"/>
+          <a:ext cx="8127999" cy="1854200"/>
+        </p:xfrm>
+        <a:graphic>
+          <a:graphicData uri="http://schemas.openxmlformats.org/drawingml/2006/table">
+            <a:tbl>
+              <a:tblPr firstRow="1" bandRow="1">
+                <a:tableStyleId>{5C22544A-7EE6-4342-B048-85BDC9FD1C3A}</a:tableStyleId>
+              </a:tblPr>
+              <a:tblGrid>
+                <a:gridCol w="2709333"/>
+                <a:gridCol w="2709333"/>
+                <a:gridCol w="2709333"/>
+              </a:tblGrid>
+              <a:tr h="370840">
+                <a:tc>
+                  <a:txBody>
+                    <a:bodyPr/>
+                    <a:lstStyle/>
+                    <a:p>
+                      <a:r>
+                        <a:rPr lang="en-US" dirty="0" smtClean="0"/>
+                        <a:t>Headline</a:t>
+                      </a:r>
+                      <a:endParaRPr lang="en-US" dirty="0"/>
+                    </a:p>
+                  </a:txBody>
+                  <a:tcPr/>
+                </a:tc>
+                <a:tc>
+                  <a:txBody>
+                    <a:bodyPr/>
+                    <a:lstStyle/>
+                    <a:p>
+                      <a:r>
+                        <a:rPr lang="en-US" dirty="0" err="1" smtClean="0"/>
+                        <a:t>Body_ID</a:t>
+                      </a:r>
+                      <a:endParaRPr lang="en-US" dirty="0"/>
+                    </a:p>
+                  </a:txBody>
+                  <a:tcPr/>
+                </a:tc>
+                <a:tc>
+                  <a:txBody>
+                    <a:bodyPr/>
+                    <a:lstStyle/>
+                    <a:p>
+                      <a:r>
+                        <a:rPr lang="en-US" dirty="0" smtClean="0"/>
+                        <a:t>Stance</a:t>
+                      </a:r>
+                      <a:endParaRPr lang="en-US" dirty="0"/>
+                    </a:p>
+                  </a:txBody>
+                  <a:tcPr/>
+                </a:tc>
+              </a:tr>
+              <a:tr h="370840">
+                <a:tc>
+                  <a:txBody>
+                    <a:bodyPr/>
+                    <a:lstStyle/>
+                    <a:p>
+                      <a:r>
+                        <a:rPr lang="en-US" dirty="0" smtClean="0">
+                          <a:solidFill>
+                            <a:schemeClr val="bg1">
+                              <a:lumMod val="85000"/>
+                            </a:schemeClr>
+                          </a:solidFill>
+                        </a:rPr>
+                        <a:t>“Blah blah”</a:t>
+                      </a:r>
+                      <a:endParaRPr lang="en-US" dirty="0">
+                        <a:solidFill>
+                          <a:schemeClr val="bg1">
+                            <a:lumMod val="85000"/>
+                          </a:schemeClr>
+                        </a:solidFill>
+                      </a:endParaRPr>
+                    </a:p>
+                  </a:txBody>
+                  <a:tcPr/>
+                </a:tc>
+                <a:tc>
+                  <a:txBody>
+                    <a:bodyPr/>
+                    <a:lstStyle/>
+                    <a:p>
+                      <a:r>
+                        <a:rPr lang="en-US" dirty="0" smtClean="0">
+                          <a:solidFill>
+                            <a:schemeClr val="bg1">
+                              <a:lumMod val="85000"/>
+                            </a:schemeClr>
+                          </a:solidFill>
+                        </a:rPr>
+                        <a:t>0</a:t>
+                      </a:r>
+                      <a:endParaRPr lang="en-US" dirty="0">
+                        <a:solidFill>
+                          <a:schemeClr val="bg1">
+                            <a:lumMod val="85000"/>
+                          </a:schemeClr>
+                        </a:solidFill>
+                      </a:endParaRPr>
+                    </a:p>
+                  </a:txBody>
+                  <a:tcPr/>
+                </a:tc>
+                <a:tc>
+                  <a:txBody>
+                    <a:bodyPr/>
+                    <a:lstStyle/>
+                    <a:p>
+                      <a:r>
+                        <a:rPr lang="en-US" dirty="0" smtClean="0">
+                          <a:solidFill>
+                            <a:schemeClr val="bg1">
+                              <a:lumMod val="85000"/>
+                            </a:schemeClr>
+                          </a:solidFill>
+                        </a:rPr>
+                        <a:t>unrelated</a:t>
+                      </a:r>
+                      <a:endParaRPr lang="en-US" dirty="0">
+                        <a:solidFill>
+                          <a:schemeClr val="bg1">
+                            <a:lumMod val="85000"/>
+                          </a:schemeClr>
+                        </a:solidFill>
+                      </a:endParaRPr>
+                    </a:p>
+                  </a:txBody>
+                  <a:tcPr/>
+                </a:tc>
+              </a:tr>
+              <a:tr h="370840">
+                <a:tc>
+                  <a:txBody>
+                    <a:bodyPr/>
+                    <a:lstStyle/>
+                    <a:p>
+                      <a:r>
+                        <a:rPr lang="en-US" dirty="0" smtClean="0"/>
+                        <a:t>“Blah blah”</a:t>
+                      </a:r>
+                      <a:endParaRPr lang="en-US" dirty="0"/>
+                    </a:p>
+                  </a:txBody>
+                  <a:tcPr>
+                    <a:solidFill>
+                      <a:srgbClr val="00B050"/>
+                    </a:solidFill>
+                  </a:tcPr>
+                </a:tc>
+                <a:tc>
+                  <a:txBody>
+                    <a:bodyPr/>
+                    <a:lstStyle/>
+                    <a:p>
+                      <a:r>
+                        <a:rPr lang="en-US" dirty="0" smtClean="0"/>
+                        <a:t>1</a:t>
+                      </a:r>
+                      <a:endParaRPr lang="en-US" dirty="0"/>
+                    </a:p>
+                  </a:txBody>
+                  <a:tcPr>
+                    <a:solidFill>
+                      <a:srgbClr val="00B050"/>
+                    </a:solidFill>
+                  </a:tcPr>
+                </a:tc>
+                <a:tc>
+                  <a:txBody>
+                    <a:bodyPr/>
+                    <a:lstStyle/>
+                    <a:p>
+                      <a:r>
+                        <a:rPr lang="en-US" dirty="0" smtClean="0"/>
+                        <a:t>discuss</a:t>
+                      </a:r>
+                      <a:endParaRPr lang="en-US" dirty="0"/>
+                    </a:p>
+                  </a:txBody>
+                  <a:tcPr>
+                    <a:solidFill>
+                      <a:srgbClr val="00B050"/>
+                    </a:solidFill>
+                  </a:tcPr>
+                </a:tc>
+              </a:tr>
+              <a:tr h="370840">
+                <a:tc>
+                  <a:txBody>
+                    <a:bodyPr/>
+                    <a:lstStyle/>
+                    <a:p>
+                      <a:pPr marL="0" marR="0" indent="0" algn="l" defTabSz="914400" rtl="0" eaLnBrk="1" fontAlgn="auto" latinLnBrk="0" hangingPunct="1">
+                        <a:lnSpc>
+                          <a:spcPct val="100000"/>
+                        </a:lnSpc>
+                        <a:spcBef>
+                          <a:spcPts val="0"/>
+                        </a:spcBef>
+                        <a:spcAft>
+                          <a:spcPts val="0"/>
+                        </a:spcAft>
+                        <a:buClrTx/>
+                        <a:buSzTx/>
+                        <a:buFontTx/>
+                        <a:buNone/>
+                        <a:tabLst/>
+                        <a:defRPr/>
+                      </a:pPr>
+                      <a:r>
+                        <a:rPr lang="en-US" dirty="0" smtClean="0"/>
+                        <a:t>“Blah blah”</a:t>
+                      </a:r>
+                    </a:p>
+                  </a:txBody>
+                  <a:tcPr>
+                    <a:solidFill>
+                      <a:srgbClr val="FF0000"/>
+                    </a:solidFill>
+                  </a:tcPr>
+                </a:tc>
+                <a:tc>
+                  <a:txBody>
+                    <a:bodyPr/>
+                    <a:lstStyle/>
+                    <a:p>
+                      <a:r>
+                        <a:rPr lang="en-US" dirty="0" smtClean="0"/>
+                        <a:t>2</a:t>
+                      </a:r>
+                      <a:endParaRPr lang="en-US" dirty="0"/>
+                    </a:p>
+                  </a:txBody>
+                  <a:tcPr>
+                    <a:solidFill>
+                      <a:srgbClr val="FF0000"/>
+                    </a:solidFill>
+                  </a:tcPr>
+                </a:tc>
+                <a:tc>
+                  <a:txBody>
+                    <a:bodyPr/>
+                    <a:lstStyle/>
+                    <a:p>
+                      <a:r>
+                        <a:rPr lang="en-US" dirty="0" smtClean="0"/>
+                        <a:t>agree</a:t>
+                      </a:r>
+                      <a:endParaRPr lang="en-US" dirty="0"/>
+                    </a:p>
+                  </a:txBody>
+                  <a:tcPr>
+                    <a:solidFill>
+                      <a:srgbClr val="FF0000"/>
+                    </a:solidFill>
+                  </a:tcPr>
+                </a:tc>
+              </a:tr>
+              <a:tr h="370840">
+                <a:tc>
+                  <a:txBody>
+                    <a:bodyPr/>
+                    <a:lstStyle/>
+                    <a:p>
+                      <a:pPr marL="0" marR="0" indent="0" algn="l" defTabSz="914400" rtl="0" eaLnBrk="1" fontAlgn="auto" latinLnBrk="0" hangingPunct="1">
+                        <a:lnSpc>
+                          <a:spcPct val="100000"/>
+                        </a:lnSpc>
+                        <a:spcBef>
+                          <a:spcPts val="0"/>
+                        </a:spcBef>
+                        <a:spcAft>
+                          <a:spcPts val="0"/>
+                        </a:spcAft>
+                        <a:buClrTx/>
+                        <a:buSzTx/>
+                        <a:buFontTx/>
+                        <a:buNone/>
+                        <a:tabLst/>
+                        <a:defRPr/>
+                      </a:pPr>
+                      <a:r>
+                        <a:rPr lang="en-US" dirty="0" smtClean="0"/>
+                        <a:t>“Blah blah”</a:t>
+                      </a:r>
+                    </a:p>
+                  </a:txBody>
+                  <a:tcPr>
+                    <a:solidFill>
+                      <a:srgbClr val="FF0000"/>
+                    </a:solidFill>
+                  </a:tcPr>
+                </a:tc>
+                <a:tc>
+                  <a:txBody>
+                    <a:bodyPr/>
+                    <a:lstStyle/>
+                    <a:p>
+                      <a:r>
+                        <a:rPr lang="en-US" dirty="0" smtClean="0"/>
+                        <a:t>3</a:t>
+                      </a:r>
+                      <a:endParaRPr lang="en-US" dirty="0"/>
+                    </a:p>
+                  </a:txBody>
+                  <a:tcPr>
+                    <a:solidFill>
+                      <a:srgbClr val="FF0000"/>
+                    </a:solidFill>
+                  </a:tcPr>
+                </a:tc>
+                <a:tc>
+                  <a:txBody>
+                    <a:bodyPr/>
+                    <a:lstStyle/>
+                    <a:p>
+                      <a:r>
+                        <a:rPr lang="en-US" dirty="0" smtClean="0"/>
+                        <a:t>disagree</a:t>
+                      </a:r>
+                      <a:endParaRPr lang="en-US" dirty="0"/>
+                    </a:p>
+                  </a:txBody>
+                  <a:tcPr>
+                    <a:solidFill>
+                      <a:srgbClr val="FF0000"/>
+                    </a:solidFill>
+                  </a:tcPr>
+                </a:tc>
+              </a:tr>
+            </a:tbl>
+          </a:graphicData>
+        </a:graphic>
+      </p:graphicFrame>
     </p:spTree>
     <p:extLst>
       <p:ext uri="{BB962C8B-B14F-4D97-AF65-F5344CB8AC3E}">
-        <p14:creationId xmlns:p14="http://schemas.microsoft.com/office/powerpoint/2010/main" val="3018025767"/>
+        <p14:creationId xmlns:p14="http://schemas.microsoft.com/office/powerpoint/2010/main" val="1863924791"/>
       </p:ext>
     </p:extLst>
   </p:cSld>
@@ -4853,10 +6688,10 @@
       </p:grpSpPr>
       <p:sp>
         <p:nvSpPr>
-          <p:cNvPr id="2" name="Title 1">
+          <p:cNvPr id="4" name="Title 3">
             <a:extLst>
               <a:ext uri="{FF2B5EF4-FFF2-40B4-BE49-F238E27FC236}">
-                <a16:creationId xmlns:a16="http://schemas.microsoft.com/office/drawing/2014/main" id="{7320EA7E-2CD9-4B3B-B95F-667C0FFBB85D}"/>
+                <a16:creationId xmlns:a16="http://schemas.microsoft.com/office/drawing/2014/main" xmlns="" id="{C9FC5678-4112-4341-B20F-F8D278761D5D}"/>
               </a:ext>
             </a:extLst>
           </p:cNvPr>
@@ -4873,18 +6708,19 @@
           <a:lstStyle/>
           <a:p>
             <a:r>
-              <a:rPr lang="en-US" dirty="0"/>
-              <a:t>Results</a:t>
-            </a:r>
-          </a:p>
-        </p:txBody>
-      </p:sp>
-      <p:sp>
-        <p:nvSpPr>
-          <p:cNvPr id="4" name="Content Placeholder 3">
+              <a:rPr lang="en-US" dirty="0" smtClean="0"/>
+              <a:t>Creating the training sets</a:t>
+            </a:r>
+            <a:endParaRPr lang="en-US" dirty="0"/>
+          </a:p>
+        </p:txBody>
+      </p:sp>
+      <p:sp>
+        <p:nvSpPr>
+          <p:cNvPr id="5" name="Content Placeholder 4">
             <a:extLst>
               <a:ext uri="{FF2B5EF4-FFF2-40B4-BE49-F238E27FC236}">
-                <a16:creationId xmlns:a16="http://schemas.microsoft.com/office/drawing/2014/main" id="{C5C78FDC-8B4D-4A5D-952D-1022D7DFA136}"/>
+                <a16:creationId xmlns:a16="http://schemas.microsoft.com/office/drawing/2014/main" xmlns="" id="{C7031E5C-8EC5-4883-9788-673A55B9AC54}"/>
               </a:ext>
             </a:extLst>
           </p:cNvPr>
@@ -4897,113 +6733,380 @@
         </p:nvSpPr>
         <p:spPr/>
         <p:txBody>
-          <a:bodyPr>
-            <a:normAutofit/>
-          </a:bodyPr>
+          <a:bodyPr/>
           <a:lstStyle/>
           <a:p>
             <a:r>
-              <a:rPr lang="en-US" sz="2000" dirty="0">
-                <a:latin typeface="+mj-lt"/>
-                <a:cs typeface="Courier New" panose="02070309020205020404" pitchFamily="49" charset="0"/>
-              </a:rPr>
-              <a:t>Pair/group activity:</a:t>
-            </a:r>
-          </a:p>
-          <a:p>
-            <a:pPr marL="598932" lvl="1">
-              <a:buFont typeface="+mj-lt"/>
-              <a:buAutoNum type="arabicPeriod"/>
-            </a:pPr>
-            <a:r>
-              <a:rPr lang="en-US" sz="2000" dirty="0">
-                <a:latin typeface="+mj-lt"/>
-                <a:cs typeface="Courier New" panose="02070309020205020404" pitchFamily="49" charset="0"/>
-              </a:rPr>
-              <a:t>Read through the scorer_simplified.py file.</a:t>
-            </a:r>
-          </a:p>
-          <a:p>
-            <a:pPr marL="598932" lvl="1">
-              <a:buFont typeface="+mj-lt"/>
-              <a:buAutoNum type="arabicPeriod"/>
-            </a:pPr>
-            <a:r>
-              <a:rPr lang="en-US" sz="2000" dirty="0">
-                <a:latin typeface="+mj-lt"/>
-                <a:cs typeface="Courier New" panose="02070309020205020404" pitchFamily="49" charset="0"/>
-              </a:rPr>
-              <a:t>Explain in words how the file scores the submission.</a:t>
-            </a:r>
-          </a:p>
-          <a:p>
-            <a:pPr marL="598932" lvl="1">
-              <a:buFont typeface="+mj-lt"/>
-              <a:buAutoNum type="arabicPeriod"/>
-            </a:pPr>
-            <a:r>
-              <a:rPr lang="en-US" sz="2000" dirty="0">
-                <a:latin typeface="+mj-lt"/>
-                <a:cs typeface="Courier New" panose="02070309020205020404" pitchFamily="49" charset="0"/>
-              </a:rPr>
-              <a:t>Run </a:t>
-            </a:r>
-          </a:p>
-          <a:p>
-            <a:pPr marL="251460" lvl="2" indent="0">
-              <a:buNone/>
-            </a:pPr>
-            <a:r>
-              <a:rPr lang="en-US" sz="1400" i="0" dirty="0">
-                <a:cs typeface="Courier New" panose="02070309020205020404" pitchFamily="49" charset="0"/>
-              </a:rPr>
-              <a:t>	</a:t>
-            </a:r>
-            <a:r>
-              <a:rPr lang="en-US" sz="1400" i="0" dirty="0">
-                <a:latin typeface="Courier New" panose="02070309020205020404" pitchFamily="49" charset="0"/>
-                <a:cs typeface="Courier New" panose="02070309020205020404" pitchFamily="49" charset="0"/>
-              </a:rPr>
-              <a:t>python scorer_simplified.py data/competition_test_stances.csv </a:t>
-            </a:r>
-            <a:r>
-              <a:rPr lang="en-US" sz="1400" i="0" dirty="0" err="1">
-                <a:latin typeface="Courier New" panose="02070309020205020404" pitchFamily="49" charset="0"/>
-                <a:cs typeface="Courier New" panose="02070309020205020404" pitchFamily="49" charset="0"/>
-              </a:rPr>
-              <a:t>src</a:t>
-            </a:r>
-            <a:r>
-              <a:rPr lang="en-US" sz="1400" i="0" dirty="0">
-                <a:latin typeface="Courier New" panose="02070309020205020404" pitchFamily="49" charset="0"/>
-                <a:cs typeface="Courier New" panose="02070309020205020404" pitchFamily="49" charset="0"/>
-              </a:rPr>
-              <a:t>/results/submission.csv</a:t>
-            </a:r>
-            <a:endParaRPr lang="en-US" sz="1400" i="0" dirty="0">
-              <a:latin typeface="+mj-lt"/>
-              <a:cs typeface="Courier New" panose="02070309020205020404" pitchFamily="49" charset="0"/>
-            </a:endParaRPr>
-          </a:p>
-          <a:p>
-            <a:pPr marL="598932" lvl="1">
-              <a:buFont typeface="+mj-lt"/>
-              <a:buAutoNum type="arabicPeriod"/>
-            </a:pPr>
-            <a:r>
-              <a:rPr lang="en-US" sz="2000" dirty="0">
-                <a:latin typeface="+mj-lt"/>
-                <a:cs typeface="Courier New" panose="02070309020205020404" pitchFamily="49" charset="0"/>
-              </a:rPr>
-              <a:t>Examine the results.</a:t>
-            </a:r>
-          </a:p>
-        </p:txBody>
-      </p:sp>
+              <a:rPr lang="en-US" dirty="0" smtClean="0"/>
+              <a:t>Agree vs not-agree</a:t>
+            </a:r>
+          </a:p>
+          <a:p>
+            <a:endParaRPr lang="en-US" dirty="0"/>
+          </a:p>
+        </p:txBody>
+      </p:sp>
+      <p:graphicFrame>
+        <p:nvGraphicFramePr>
+          <p:cNvPr id="2" name="Table 1"/>
+          <p:cNvGraphicFramePr>
+            <a:graphicFrameLocks noGrp="1"/>
+          </p:cNvGraphicFramePr>
+          <p:nvPr>
+            <p:extLst>
+              <p:ext uri="{D42A27DB-BD31-4B8C-83A1-F6EECF244321}">
+                <p14:modId xmlns:p14="http://schemas.microsoft.com/office/powerpoint/2010/main" val="652260554"/>
+              </p:ext>
+            </p:extLst>
+          </p:nvPr>
+        </p:nvGraphicFramePr>
+        <p:xfrm>
+          <a:off x="1819965" y="3226118"/>
+          <a:ext cx="8127999" cy="1854200"/>
+        </p:xfrm>
+        <a:graphic>
+          <a:graphicData uri="http://schemas.openxmlformats.org/drawingml/2006/table">
+            <a:tbl>
+              <a:tblPr firstRow="1" bandRow="1">
+                <a:tableStyleId>{5C22544A-7EE6-4342-B048-85BDC9FD1C3A}</a:tableStyleId>
+              </a:tblPr>
+              <a:tblGrid>
+                <a:gridCol w="2709333"/>
+                <a:gridCol w="2709333"/>
+                <a:gridCol w="2709333"/>
+              </a:tblGrid>
+              <a:tr h="370840">
+                <a:tc>
+                  <a:txBody>
+                    <a:bodyPr/>
+                    <a:lstStyle/>
+                    <a:p>
+                      <a:r>
+                        <a:rPr lang="en-US" dirty="0" smtClean="0"/>
+                        <a:t>Headline</a:t>
+                      </a:r>
+                      <a:endParaRPr lang="en-US" dirty="0"/>
+                    </a:p>
+                  </a:txBody>
+                  <a:tcPr/>
+                </a:tc>
+                <a:tc>
+                  <a:txBody>
+                    <a:bodyPr/>
+                    <a:lstStyle/>
+                    <a:p>
+                      <a:r>
+                        <a:rPr lang="en-US" dirty="0" err="1" smtClean="0"/>
+                        <a:t>Body_ID</a:t>
+                      </a:r>
+                      <a:endParaRPr lang="en-US" dirty="0"/>
+                    </a:p>
+                  </a:txBody>
+                  <a:tcPr/>
+                </a:tc>
+                <a:tc>
+                  <a:txBody>
+                    <a:bodyPr/>
+                    <a:lstStyle/>
+                    <a:p>
+                      <a:r>
+                        <a:rPr lang="en-US" dirty="0" smtClean="0"/>
+                        <a:t>Stance</a:t>
+                      </a:r>
+                      <a:endParaRPr lang="en-US" dirty="0"/>
+                    </a:p>
+                  </a:txBody>
+                  <a:tcPr/>
+                </a:tc>
+              </a:tr>
+              <a:tr h="370840">
+                <a:tc>
+                  <a:txBody>
+                    <a:bodyPr/>
+                    <a:lstStyle/>
+                    <a:p>
+                      <a:r>
+                        <a:rPr lang="en-US" dirty="0" smtClean="0">
+                          <a:solidFill>
+                            <a:schemeClr val="bg1">
+                              <a:lumMod val="85000"/>
+                            </a:schemeClr>
+                          </a:solidFill>
+                        </a:rPr>
+                        <a:t>“Blah blah”</a:t>
+                      </a:r>
+                      <a:endParaRPr lang="en-US" dirty="0">
+                        <a:solidFill>
+                          <a:schemeClr val="bg1">
+                            <a:lumMod val="85000"/>
+                          </a:schemeClr>
+                        </a:solidFill>
+                      </a:endParaRPr>
+                    </a:p>
+                  </a:txBody>
+                  <a:tcPr/>
+                </a:tc>
+                <a:tc>
+                  <a:txBody>
+                    <a:bodyPr/>
+                    <a:lstStyle/>
+                    <a:p>
+                      <a:r>
+                        <a:rPr lang="en-US" dirty="0" smtClean="0">
+                          <a:solidFill>
+                            <a:schemeClr val="bg1">
+                              <a:lumMod val="85000"/>
+                            </a:schemeClr>
+                          </a:solidFill>
+                        </a:rPr>
+                        <a:t>0</a:t>
+                      </a:r>
+                      <a:endParaRPr lang="en-US" dirty="0">
+                        <a:solidFill>
+                          <a:schemeClr val="bg1">
+                            <a:lumMod val="85000"/>
+                          </a:schemeClr>
+                        </a:solidFill>
+                      </a:endParaRPr>
+                    </a:p>
+                  </a:txBody>
+                  <a:tcPr/>
+                </a:tc>
+                <a:tc>
+                  <a:txBody>
+                    <a:bodyPr/>
+                    <a:lstStyle/>
+                    <a:p>
+                      <a:r>
+                        <a:rPr lang="en-US" dirty="0" smtClean="0">
+                          <a:solidFill>
+                            <a:schemeClr val="bg1">
+                              <a:lumMod val="85000"/>
+                            </a:schemeClr>
+                          </a:solidFill>
+                        </a:rPr>
+                        <a:t>unrelated</a:t>
+                      </a:r>
+                      <a:endParaRPr lang="en-US" dirty="0">
+                        <a:solidFill>
+                          <a:schemeClr val="bg1">
+                            <a:lumMod val="85000"/>
+                          </a:schemeClr>
+                        </a:solidFill>
+                      </a:endParaRPr>
+                    </a:p>
+                  </a:txBody>
+                  <a:tcPr/>
+                </a:tc>
+              </a:tr>
+              <a:tr h="370840">
+                <a:tc>
+                  <a:txBody>
+                    <a:bodyPr/>
+                    <a:lstStyle/>
+                    <a:p>
+                      <a:r>
+                        <a:rPr lang="en-US" dirty="0" smtClean="0"/>
+                        <a:t>“Blah blah”</a:t>
+                      </a:r>
+                      <a:endParaRPr lang="en-US" dirty="0"/>
+                    </a:p>
+                  </a:txBody>
+                  <a:tcPr>
+                    <a:solidFill>
+                      <a:srgbClr val="FF0000"/>
+                    </a:solidFill>
+                  </a:tcPr>
+                </a:tc>
+                <a:tc>
+                  <a:txBody>
+                    <a:bodyPr/>
+                    <a:lstStyle/>
+                    <a:p>
+                      <a:r>
+                        <a:rPr lang="en-US" dirty="0" smtClean="0"/>
+                        <a:t>1</a:t>
+                      </a:r>
+                      <a:endParaRPr lang="en-US" dirty="0"/>
+                    </a:p>
+                  </a:txBody>
+                  <a:tcPr>
+                    <a:solidFill>
+                      <a:srgbClr val="FF0000"/>
+                    </a:solidFill>
+                  </a:tcPr>
+                </a:tc>
+                <a:tc>
+                  <a:txBody>
+                    <a:bodyPr/>
+                    <a:lstStyle/>
+                    <a:p>
+                      <a:r>
+                        <a:rPr lang="en-US" dirty="0" smtClean="0"/>
+                        <a:t>discuss</a:t>
+                      </a:r>
+                      <a:endParaRPr lang="en-US" dirty="0"/>
+                    </a:p>
+                  </a:txBody>
+                  <a:tcPr>
+                    <a:solidFill>
+                      <a:srgbClr val="FF0000"/>
+                    </a:solidFill>
+                  </a:tcPr>
+                </a:tc>
+              </a:tr>
+              <a:tr h="370840">
+                <a:tc>
+                  <a:txBody>
+                    <a:bodyPr/>
+                    <a:lstStyle/>
+                    <a:p>
+                      <a:pPr marL="0" marR="0" indent="0" algn="l" defTabSz="914400" rtl="0" eaLnBrk="1" fontAlgn="auto" latinLnBrk="0" hangingPunct="1">
+                        <a:lnSpc>
+                          <a:spcPct val="100000"/>
+                        </a:lnSpc>
+                        <a:spcBef>
+                          <a:spcPts val="0"/>
+                        </a:spcBef>
+                        <a:spcAft>
+                          <a:spcPts val="0"/>
+                        </a:spcAft>
+                        <a:buClrTx/>
+                        <a:buSzTx/>
+                        <a:buFontTx/>
+                        <a:buNone/>
+                        <a:tabLst/>
+                        <a:defRPr/>
+                      </a:pPr>
+                      <a:r>
+                        <a:rPr lang="en-US" dirty="0" smtClean="0"/>
+                        <a:t>“Blah blah”</a:t>
+                      </a:r>
+                    </a:p>
+                  </a:txBody>
+                  <a:tcPr>
+                    <a:solidFill>
+                      <a:srgbClr val="00B050"/>
+                    </a:solidFill>
+                  </a:tcPr>
+                </a:tc>
+                <a:tc>
+                  <a:txBody>
+                    <a:bodyPr/>
+                    <a:lstStyle/>
+                    <a:p>
+                      <a:r>
+                        <a:rPr lang="en-US" dirty="0" smtClean="0"/>
+                        <a:t>2</a:t>
+                      </a:r>
+                      <a:endParaRPr lang="en-US" dirty="0"/>
+                    </a:p>
+                  </a:txBody>
+                  <a:tcPr>
+                    <a:solidFill>
+                      <a:srgbClr val="00B050"/>
+                    </a:solidFill>
+                  </a:tcPr>
+                </a:tc>
+                <a:tc>
+                  <a:txBody>
+                    <a:bodyPr/>
+                    <a:lstStyle/>
+                    <a:p>
+                      <a:r>
+                        <a:rPr lang="en-US" dirty="0" smtClean="0"/>
+                        <a:t>agree</a:t>
+                      </a:r>
+                      <a:endParaRPr lang="en-US" dirty="0"/>
+                    </a:p>
+                  </a:txBody>
+                  <a:tcPr>
+                    <a:solidFill>
+                      <a:srgbClr val="00B050"/>
+                    </a:solidFill>
+                  </a:tcPr>
+                </a:tc>
+              </a:tr>
+              <a:tr h="370840">
+                <a:tc>
+                  <a:txBody>
+                    <a:bodyPr/>
+                    <a:lstStyle/>
+                    <a:p>
+                      <a:pPr marL="0" marR="0" indent="0" algn="l" defTabSz="914400" rtl="0" eaLnBrk="1" fontAlgn="auto" latinLnBrk="0" hangingPunct="1">
+                        <a:lnSpc>
+                          <a:spcPct val="100000"/>
+                        </a:lnSpc>
+                        <a:spcBef>
+                          <a:spcPts val="0"/>
+                        </a:spcBef>
+                        <a:spcAft>
+                          <a:spcPts val="0"/>
+                        </a:spcAft>
+                        <a:buClrTx/>
+                        <a:buSzTx/>
+                        <a:buFontTx/>
+                        <a:buNone/>
+                        <a:tabLst/>
+                        <a:defRPr/>
+                      </a:pPr>
+                      <a:r>
+                        <a:rPr lang="en-US" dirty="0" smtClean="0"/>
+                        <a:t>“Blah blah”</a:t>
+                      </a:r>
+                    </a:p>
+                  </a:txBody>
+                  <a:tcPr>
+                    <a:solidFill>
+                      <a:srgbClr val="FF0000"/>
+                    </a:solidFill>
+                  </a:tcPr>
+                </a:tc>
+                <a:tc>
+                  <a:txBody>
+                    <a:bodyPr/>
+                    <a:lstStyle/>
+                    <a:p>
+                      <a:r>
+                        <a:rPr lang="en-US" dirty="0" smtClean="0"/>
+                        <a:t>3</a:t>
+                      </a:r>
+                      <a:endParaRPr lang="en-US" dirty="0"/>
+                    </a:p>
+                  </a:txBody>
+                  <a:tcPr>
+                    <a:solidFill>
+                      <a:srgbClr val="FF0000"/>
+                    </a:solidFill>
+                  </a:tcPr>
+                </a:tc>
+                <a:tc>
+                  <a:txBody>
+                    <a:bodyPr/>
+                    <a:lstStyle/>
+                    <a:p>
+                      <a:r>
+                        <a:rPr lang="en-US" dirty="0" smtClean="0"/>
+                        <a:t>disagree</a:t>
+                      </a:r>
+                      <a:endParaRPr lang="en-US" dirty="0"/>
+                    </a:p>
+                  </a:txBody>
+                  <a:tcPr>
+                    <a:solidFill>
+                      <a:srgbClr val="FF0000"/>
+                    </a:solidFill>
+                  </a:tcPr>
+                </a:tc>
+              </a:tr>
+            </a:tbl>
+          </a:graphicData>
+        </a:graphic>
+      </p:graphicFrame>
     </p:spTree>
     <p:extLst>
       <p:ext uri="{BB962C8B-B14F-4D97-AF65-F5344CB8AC3E}">
-        <p14:creationId xmlns:p14="http://schemas.microsoft.com/office/powerpoint/2010/main" val="2606178043"/>
+        <p14:creationId xmlns:p14="http://schemas.microsoft.com/office/powerpoint/2010/main" val="1840376626"/>
       </p:ext>
     </p:extLst>
   </p:cSld>
@@ -5248,4 +7351,265 @@
     </a:ext>
   </a:extLst>
 </a:theme>
+</file>
+
+<file path=ppt/theme/theme2.xml><?xml version="1.0" encoding="utf-8"?>
+<a:theme xmlns:a="http://schemas.openxmlformats.org/drawingml/2006/main" name="Office Theme">
+  <a:themeElements>
+    <a:clrScheme name="Office">
+      <a:dk1>
+        <a:sysClr val="windowText" lastClr="000000"/>
+      </a:dk1>
+      <a:lt1>
+        <a:sysClr val="window" lastClr="FFFFFF"/>
+      </a:lt1>
+      <a:dk2>
+        <a:srgbClr val="44546A"/>
+      </a:dk2>
+      <a:lt2>
+        <a:srgbClr val="E7E6E6"/>
+      </a:lt2>
+      <a:accent1>
+        <a:srgbClr val="4472C4"/>
+      </a:accent1>
+      <a:accent2>
+        <a:srgbClr val="ED7D31"/>
+      </a:accent2>
+      <a:accent3>
+        <a:srgbClr val="A5A5A5"/>
+      </a:accent3>
+      <a:accent4>
+        <a:srgbClr val="FFC000"/>
+      </a:accent4>
+      <a:accent5>
+        <a:srgbClr val="5B9BD5"/>
+      </a:accent5>
+      <a:accent6>
+        <a:srgbClr val="70AD47"/>
+      </a:accent6>
+      <a:hlink>
+        <a:srgbClr val="0563C1"/>
+      </a:hlink>
+      <a:folHlink>
+        <a:srgbClr val="954F72"/>
+      </a:folHlink>
+    </a:clrScheme>
+    <a:fontScheme name="Office">
+      <a:majorFont>
+        <a:latin typeface="Calibri Light" panose="020F0302020204030204"/>
+        <a:ea typeface=""/>
+        <a:cs typeface=""/>
+        <a:font script="Jpan" typeface="Yu Gothic Light"/>
+        <a:font script="Hang" typeface="맑은 고딕"/>
+        <a:font script="Hans" typeface="DengXian Light"/>
+        <a:font script="Hant" typeface="新細明體"/>
+        <a:font script="Arab" typeface="Times New Roman"/>
+        <a:font script="Hebr" typeface="Times New Roman"/>
+        <a:font script="Thai" typeface="Angsana New"/>
+        <a:font script="Ethi" typeface="Nyala"/>
+        <a:font script="Beng" typeface="Vrinda"/>
+        <a:font script="Gujr" typeface="Shruti"/>
+        <a:font script="Khmr" typeface="MoolBoran"/>
+        <a:font script="Knda" typeface="Tunga"/>
+        <a:font script="Guru" typeface="Raavi"/>
+        <a:font script="Cans" typeface="Euphemia"/>
+        <a:font script="Cher" typeface="Plantagenet Cherokee"/>
+        <a:font script="Yiii" typeface="Microsoft Yi Baiti"/>
+        <a:font script="Tibt" typeface="Microsoft Himalaya"/>
+        <a:font script="Thaa" typeface="MV Boli"/>
+        <a:font script="Deva" typeface="Mangal"/>
+        <a:font script="Telu" typeface="Gautami"/>
+        <a:font script="Taml" typeface="Latha"/>
+        <a:font script="Syrc" typeface="Estrangelo Edessa"/>
+        <a:font script="Orya" typeface="Kalinga"/>
+        <a:font script="Mlym" typeface="Kartika"/>
+        <a:font script="Laoo" typeface="DokChampa"/>
+        <a:font script="Sinh" typeface="Iskoola Pota"/>
+        <a:font script="Mong" typeface="Mongolian Baiti"/>
+        <a:font script="Viet" typeface="Times New Roman"/>
+        <a:font script="Uigh" typeface="Microsoft Uighur"/>
+        <a:font script="Geor" typeface="Sylfaen"/>
+      </a:majorFont>
+      <a:minorFont>
+        <a:latin typeface="Calibri" panose="020F0502020204030204"/>
+        <a:ea typeface=""/>
+        <a:cs typeface=""/>
+        <a:font script="Jpan" typeface="Yu Gothic"/>
+        <a:font script="Hang" typeface="맑은 고딕"/>
+        <a:font script="Hans" typeface="DengXian"/>
+        <a:font script="Hant" typeface="新細明體"/>
+        <a:font script="Arab" typeface="Arial"/>
+        <a:font script="Hebr" typeface="Arial"/>
+        <a:font script="Thai" typeface="Cordia New"/>
+        <a:font script="Ethi" typeface="Nyala"/>
+        <a:font script="Beng" typeface="Vrinda"/>
+        <a:font script="Gujr" typeface="Shruti"/>
+        <a:font script="Khmr" typeface="DaunPenh"/>
+        <a:font script="Knda" typeface="Tunga"/>
+        <a:font script="Guru" typeface="Raavi"/>
+        <a:font script="Cans" typeface="Euphemia"/>
+        <a:font script="Cher" typeface="Plantagenet Cherokee"/>
+        <a:font script="Yiii" typeface="Microsoft Yi Baiti"/>
+        <a:font script="Tibt" typeface="Microsoft Himalaya"/>
+        <a:font script="Thaa" typeface="MV Boli"/>
+        <a:font script="Deva" typeface="Mangal"/>
+        <a:font script="Telu" typeface="Gautami"/>
+        <a:font script="Taml" typeface="Latha"/>
+        <a:font script="Syrc" typeface="Estrangelo Edessa"/>
+        <a:font script="Orya" typeface="Kalinga"/>
+        <a:font script="Mlym" typeface="Kartika"/>
+        <a:font script="Laoo" typeface="DokChampa"/>
+        <a:font script="Sinh" typeface="Iskoola Pota"/>
+        <a:font script="Mong" typeface="Mongolian Baiti"/>
+        <a:font script="Viet" typeface="Arial"/>
+        <a:font script="Uigh" typeface="Microsoft Uighur"/>
+        <a:font script="Geor" typeface="Sylfaen"/>
+      </a:minorFont>
+    </a:fontScheme>
+    <a:fmtScheme name="Office">
+      <a:fillStyleLst>
+        <a:solidFill>
+          <a:schemeClr val="phClr"/>
+        </a:solidFill>
+        <a:gradFill rotWithShape="1">
+          <a:gsLst>
+            <a:gs pos="0">
+              <a:schemeClr val="phClr">
+                <a:lumMod val="110000"/>
+                <a:satMod val="105000"/>
+                <a:tint val="67000"/>
+              </a:schemeClr>
+            </a:gs>
+            <a:gs pos="50000">
+              <a:schemeClr val="phClr">
+                <a:lumMod val="105000"/>
+                <a:satMod val="103000"/>
+                <a:tint val="73000"/>
+              </a:schemeClr>
+            </a:gs>
+            <a:gs pos="100000">
+              <a:schemeClr val="phClr">
+                <a:lumMod val="105000"/>
+                <a:satMod val="109000"/>
+                <a:tint val="81000"/>
+              </a:schemeClr>
+            </a:gs>
+          </a:gsLst>
+          <a:lin ang="5400000" scaled="0"/>
+        </a:gradFill>
+        <a:gradFill rotWithShape="1">
+          <a:gsLst>
+            <a:gs pos="0">
+              <a:schemeClr val="phClr">
+                <a:satMod val="103000"/>
+                <a:lumMod val="102000"/>
+                <a:tint val="94000"/>
+              </a:schemeClr>
+            </a:gs>
+            <a:gs pos="50000">
+              <a:schemeClr val="phClr">
+                <a:satMod val="110000"/>
+                <a:lumMod val="100000"/>
+                <a:shade val="100000"/>
+              </a:schemeClr>
+            </a:gs>
+            <a:gs pos="100000">
+              <a:schemeClr val="phClr">
+                <a:lumMod val="99000"/>
+                <a:satMod val="120000"/>
+                <a:shade val="78000"/>
+              </a:schemeClr>
+            </a:gs>
+          </a:gsLst>
+          <a:lin ang="5400000" scaled="0"/>
+        </a:gradFill>
+      </a:fillStyleLst>
+      <a:lnStyleLst>
+        <a:ln w="6350" cap="flat" cmpd="sng" algn="ctr">
+          <a:solidFill>
+            <a:schemeClr val="phClr"/>
+          </a:solidFill>
+          <a:prstDash val="solid"/>
+          <a:miter lim="800000"/>
+        </a:ln>
+        <a:ln w="12700" cap="flat" cmpd="sng" algn="ctr">
+          <a:solidFill>
+            <a:schemeClr val="phClr"/>
+          </a:solidFill>
+          <a:prstDash val="solid"/>
+          <a:miter lim="800000"/>
+        </a:ln>
+        <a:ln w="19050" cap="flat" cmpd="sng" algn="ctr">
+          <a:solidFill>
+            <a:schemeClr val="phClr"/>
+          </a:solidFill>
+          <a:prstDash val="solid"/>
+          <a:miter lim="800000"/>
+        </a:ln>
+      </a:lnStyleLst>
+      <a:effectStyleLst>
+        <a:effectStyle>
+          <a:effectLst/>
+        </a:effectStyle>
+        <a:effectStyle>
+          <a:effectLst/>
+        </a:effectStyle>
+        <a:effectStyle>
+          <a:effectLst>
+            <a:outerShdw blurRad="57150" dist="19050" dir="5400000" algn="ctr" rotWithShape="0">
+              <a:srgbClr val="000000">
+                <a:alpha val="63000"/>
+              </a:srgbClr>
+            </a:outerShdw>
+          </a:effectLst>
+        </a:effectStyle>
+      </a:effectStyleLst>
+      <a:bgFillStyleLst>
+        <a:solidFill>
+          <a:schemeClr val="phClr"/>
+        </a:solidFill>
+        <a:solidFill>
+          <a:schemeClr val="phClr">
+            <a:tint val="95000"/>
+            <a:satMod val="170000"/>
+          </a:schemeClr>
+        </a:solidFill>
+        <a:gradFill rotWithShape="1">
+          <a:gsLst>
+            <a:gs pos="0">
+              <a:schemeClr val="phClr">
+                <a:tint val="93000"/>
+                <a:satMod val="150000"/>
+                <a:shade val="98000"/>
+                <a:lumMod val="102000"/>
+              </a:schemeClr>
+            </a:gs>
+            <a:gs pos="50000">
+              <a:schemeClr val="phClr">
+                <a:tint val="98000"/>
+                <a:satMod val="130000"/>
+                <a:shade val="90000"/>
+                <a:lumMod val="103000"/>
+              </a:schemeClr>
+            </a:gs>
+            <a:gs pos="100000">
+              <a:schemeClr val="phClr">
+                <a:shade val="63000"/>
+                <a:satMod val="120000"/>
+              </a:schemeClr>
+            </a:gs>
+          </a:gsLst>
+          <a:lin ang="5400000" scaled="0"/>
+        </a:gradFill>
+      </a:bgFillStyleLst>
+    </a:fmtScheme>
+  </a:themeElements>
+  <a:objectDefaults/>
+  <a:extraClrSchemeLst/>
+  <a:extLst>
+    <a:ext uri="{05A4C25C-085E-4340-85A3-A5531E510DB2}">
+      <thm15:themeFamily xmlns:thm15="http://schemas.microsoft.com/office/thememl/2012/main" name="Office Theme" id="{62F939B6-93AF-4DB8-9C6B-D6C7DFDC589F}" vid="{4A3C46E8-61CC-4603-A589-7422A47A8E4A}"/>
+    </a:ext>
+  </a:extLst>
+</a:theme>
 </file>